--- a/tech/report/ch15方法章節.pptx
+++ b/tech/report/ch15方法章節.pptx
@@ -5,10 +5,10 @@
     <p:sldMasterId id="2147483648" r:id="rId1"/>
   </p:sldMasterIdLst>
   <p:notesMasterIdLst>
-    <p:notesMasterId r:id="rId15"/>
+    <p:notesMasterId r:id="rId17"/>
   </p:notesMasterIdLst>
   <p:handoutMasterIdLst>
-    <p:handoutMasterId r:id="rId16"/>
+    <p:handoutMasterId r:id="rId18"/>
   </p:handoutMasterIdLst>
   <p:sldIdLst>
     <p:sldId id="256" r:id="rId2"/>
@@ -21,9 +21,11 @@
     <p:sldId id="294" r:id="rId9"/>
     <p:sldId id="285" r:id="rId10"/>
     <p:sldId id="286" r:id="rId11"/>
-    <p:sldId id="287" r:id="rId12"/>
-    <p:sldId id="289" r:id="rId13"/>
-    <p:sldId id="267" r:id="rId14"/>
+    <p:sldId id="295" r:id="rId12"/>
+    <p:sldId id="296" r:id="rId13"/>
+    <p:sldId id="287" r:id="rId14"/>
+    <p:sldId id="289" r:id="rId15"/>
+    <p:sldId id="267" r:id="rId16"/>
   </p:sldIdLst>
   <p:sldSz cx="18288000" cy="13716000"/>
   <p:notesSz cx="6858000" cy="9144000"/>
@@ -418,7 +420,7 @@
           <a:p>
             <a:fld id="{F550CF06-8FC7-4608-9AE5-384E68A55A9B}" type="datetimeFigureOut">
               <a:rPr lang="zh-TW" altLang="en-US" smtClean="0"/>
-              <a:t>2020/6/11</a:t>
+              <a:t>2020/6/13</a:t>
             </a:fld>
             <a:endParaRPr lang="zh-TW" altLang="en-US"/>
           </a:p>
@@ -1005,6 +1007,71 @@
 </p:notes>
 </file>
 
+<file path=ppt/notesSlides/notesSlide5.xml><?xml version="1.0" encoding="utf-8"?>
+<p:notes xmlns:a="http://schemas.openxmlformats.org/drawingml/2006/main" xmlns:r="http://schemas.openxmlformats.org/officeDocument/2006/relationships" xmlns:p="http://schemas.openxmlformats.org/presentationml/2006/main">
+  <p:cSld>
+    <p:spTree>
+      <p:nvGrpSpPr>
+        <p:cNvPr id="1" name=""/>
+        <p:cNvGrpSpPr/>
+        <p:nvPr/>
+      </p:nvGrpSpPr>
+      <p:grpSpPr>
+        <a:xfrm>
+          <a:off x="0" y="0"/>
+          <a:ext cx="0" cy="0"/>
+          <a:chOff x="0" y="0"/>
+          <a:chExt cx="0" cy="0"/>
+        </a:xfrm>
+      </p:grpSpPr>
+      <p:sp>
+        <p:nvSpPr>
+          <p:cNvPr id="2" name="投影片圖像版面配置區 1"/>
+          <p:cNvSpPr>
+            <a:spLocks noGrp="1" noRot="1" noChangeAspect="1"/>
+          </p:cNvSpPr>
+          <p:nvPr>
+            <p:ph type="sldImg"/>
+          </p:nvPr>
+        </p:nvSpPr>
+        <p:spPr/>
+      </p:sp>
+      <p:sp>
+        <p:nvSpPr>
+          <p:cNvPr id="3" name="備忘稿版面配置區 2"/>
+          <p:cNvSpPr>
+            <a:spLocks noGrp="1"/>
+          </p:cNvSpPr>
+          <p:nvPr>
+            <p:ph type="body" idx="1"/>
+          </p:nvPr>
+        </p:nvSpPr>
+        <p:spPr/>
+        <p:txBody>
+          <a:bodyPr/>
+          <a:lstStyle/>
+          <a:p>
+            <a:r>
+              <a:rPr lang="zh-TW" altLang="en-US" dirty="0" smtClean="0"/>
+              <a:t>多參考所屬研究領域的文章</a:t>
+            </a:r>
+            <a:endParaRPr lang="zh-TW" altLang="en-US" dirty="0"/>
+          </a:p>
+        </p:txBody>
+      </p:sp>
+    </p:spTree>
+    <p:extLst>
+      <p:ext uri="{BB962C8B-B14F-4D97-AF65-F5344CB8AC3E}">
+        <p14:creationId xmlns:p14="http://schemas.microsoft.com/office/powerpoint/2010/main" val="191855449"/>
+      </p:ext>
+    </p:extLst>
+  </p:cSld>
+  <p:clrMapOvr>
+    <a:masterClrMapping/>
+  </p:clrMapOvr>
+</p:notes>
+</file>
+
 <file path=ppt/slideLayouts/slideLayout1.xml><?xml version="1.0" encoding="utf-8"?>
 <p:sldLayout xmlns:a="http://schemas.openxmlformats.org/drawingml/2006/main" xmlns:r="http://schemas.openxmlformats.org/officeDocument/2006/relationships" xmlns:p="http://schemas.openxmlformats.org/presentationml/2006/main" type="title">
   <p:cSld name="大標題與副標題">
@@ -2033,7 +2100,7 @@
               <a:effectLst/>
               <a:extLst>
                 <a:ext uri="{C572A759-6A51-4108-AA02-DFA0A04FC94B}">
-                  <ma14:wrappingTextBoxFlag xmlns:ma14="http://schemas.microsoft.com/office/mac/drawingml/2011/main" xmlns:a14="http://schemas.microsoft.com/office/drawing/2010/main" xmlns:m="http://schemas.openxmlformats.org/officeDocument/2006/math" xmlns="" val="1"/>
+                  <ma14:wrappingTextBoxFlag xmlns="" xmlns:m="http://schemas.openxmlformats.org/officeDocument/2006/math" xmlns:a14="http://schemas.microsoft.com/office/drawing/2010/main" xmlns:ma14="http://schemas.microsoft.com/office/mac/drawingml/2011/main" val="1"/>
                 </a:ext>
               </a:extLst>
             </p:spPr>
@@ -2107,7 +2174,7 @@
               <a:effectLst/>
               <a:extLst>
                 <a:ext uri="{C572A759-6A51-4108-AA02-DFA0A04FC94B}">
-                  <ma14:wrappingTextBoxFlag xmlns:ma14="http://schemas.microsoft.com/office/mac/drawingml/2011/main" xmlns:a14="http://schemas.microsoft.com/office/drawing/2010/main" xmlns:m="http://schemas.openxmlformats.org/officeDocument/2006/math" xmlns="" val="1"/>
+                  <ma14:wrappingTextBoxFlag xmlns="" xmlns:m="http://schemas.openxmlformats.org/officeDocument/2006/math" xmlns:a14="http://schemas.microsoft.com/office/drawing/2010/main" xmlns:ma14="http://schemas.microsoft.com/office/mac/drawingml/2011/main" val="1"/>
                 </a:ext>
               </a:extLst>
             </p:spPr>
@@ -2465,7 +2532,7 @@
               <a:effectLst/>
               <a:extLst>
                 <a:ext uri="{C572A759-6A51-4108-AA02-DFA0A04FC94B}">
-                  <ma14:wrappingTextBoxFlag xmlns:ma14="http://schemas.microsoft.com/office/mac/drawingml/2011/main" xmlns:a14="http://schemas.microsoft.com/office/drawing/2010/main" xmlns:m="http://schemas.openxmlformats.org/officeDocument/2006/math" xmlns="" val="1"/>
+                  <ma14:wrappingTextBoxFlag xmlns="" xmlns:m="http://schemas.openxmlformats.org/officeDocument/2006/math" xmlns:a14="http://schemas.microsoft.com/office/drawing/2010/main" xmlns:ma14="http://schemas.microsoft.com/office/mac/drawingml/2011/main" val="1"/>
                 </a:ext>
               </a:extLst>
             </p:spPr>
@@ -2535,7 +2602,7 @@
               <a:effectLst/>
               <a:extLst>
                 <a:ext uri="{C572A759-6A51-4108-AA02-DFA0A04FC94B}">
-                  <ma14:wrappingTextBoxFlag xmlns:ma14="http://schemas.microsoft.com/office/mac/drawingml/2011/main" xmlns:a14="http://schemas.microsoft.com/office/drawing/2010/main" xmlns:m="http://schemas.openxmlformats.org/officeDocument/2006/math" xmlns="" val="1"/>
+                  <ma14:wrappingTextBoxFlag xmlns="" xmlns:m="http://schemas.openxmlformats.org/officeDocument/2006/math" xmlns:a14="http://schemas.microsoft.com/office/drawing/2010/main" xmlns:ma14="http://schemas.microsoft.com/office/mac/drawingml/2011/main" val="1"/>
                 </a:ext>
               </a:extLst>
             </p:spPr>
@@ -3193,7 +3260,7 @@
               <a:effectLst/>
               <a:extLst>
                 <a:ext uri="{C572A759-6A51-4108-AA02-DFA0A04FC94B}">
-                  <ma14:wrappingTextBoxFlag xmlns:ma14="http://schemas.microsoft.com/office/mac/drawingml/2011/main" xmlns:a14="http://schemas.microsoft.com/office/drawing/2010/main" xmlns:m="http://schemas.openxmlformats.org/officeDocument/2006/math" xmlns="" val="1"/>
+                  <ma14:wrappingTextBoxFlag xmlns="" xmlns:m="http://schemas.openxmlformats.org/officeDocument/2006/math" xmlns:a14="http://schemas.microsoft.com/office/drawing/2010/main" xmlns:ma14="http://schemas.microsoft.com/office/mac/drawingml/2011/main" val="1"/>
                 </a:ext>
               </a:extLst>
             </p:spPr>
@@ -3267,7 +3334,7 @@
               <a:effectLst/>
               <a:extLst>
                 <a:ext uri="{C572A759-6A51-4108-AA02-DFA0A04FC94B}">
-                  <ma14:wrappingTextBoxFlag xmlns:ma14="http://schemas.microsoft.com/office/mac/drawingml/2011/main" xmlns:a14="http://schemas.microsoft.com/office/drawing/2010/main" xmlns:m="http://schemas.openxmlformats.org/officeDocument/2006/math" xmlns="" val="1"/>
+                  <ma14:wrappingTextBoxFlag xmlns="" xmlns:m="http://schemas.openxmlformats.org/officeDocument/2006/math" xmlns:a14="http://schemas.microsoft.com/office/drawing/2010/main" xmlns:ma14="http://schemas.microsoft.com/office/mac/drawingml/2011/main" val="1"/>
                 </a:ext>
               </a:extLst>
             </p:spPr>
@@ -3641,7 +3708,7 @@
               <a:effectLst/>
               <a:extLst>
                 <a:ext uri="{C572A759-6A51-4108-AA02-DFA0A04FC94B}">
-                  <ma14:wrappingTextBoxFlag xmlns:ma14="http://schemas.microsoft.com/office/mac/drawingml/2011/main" xmlns:a14="http://schemas.microsoft.com/office/drawing/2010/main" xmlns:m="http://schemas.openxmlformats.org/officeDocument/2006/math" xmlns="" val="1"/>
+                  <ma14:wrappingTextBoxFlag xmlns="" xmlns:m="http://schemas.openxmlformats.org/officeDocument/2006/math" xmlns:a14="http://schemas.microsoft.com/office/drawing/2010/main" xmlns:ma14="http://schemas.microsoft.com/office/mac/drawingml/2011/main" val="1"/>
                 </a:ext>
               </a:extLst>
             </p:spPr>
@@ -3715,7 +3782,7 @@
               <a:effectLst/>
               <a:extLst>
                 <a:ext uri="{C572A759-6A51-4108-AA02-DFA0A04FC94B}">
-                  <ma14:wrappingTextBoxFlag xmlns:ma14="http://schemas.microsoft.com/office/mac/drawingml/2011/main" xmlns:a14="http://schemas.microsoft.com/office/drawing/2010/main" xmlns:m="http://schemas.openxmlformats.org/officeDocument/2006/math" xmlns="" val="1"/>
+                  <ma14:wrappingTextBoxFlag xmlns="" xmlns:m="http://schemas.openxmlformats.org/officeDocument/2006/math" xmlns:a14="http://schemas.microsoft.com/office/drawing/2010/main" xmlns:ma14="http://schemas.microsoft.com/office/mac/drawingml/2011/main" val="1"/>
                 </a:ext>
               </a:extLst>
             </p:spPr>
@@ -4107,7 +4174,7 @@
               <a:effectLst/>
               <a:extLst>
                 <a:ext uri="{C572A759-6A51-4108-AA02-DFA0A04FC94B}">
-                  <ma14:wrappingTextBoxFlag xmlns:ma14="http://schemas.microsoft.com/office/mac/drawingml/2011/main" xmlns:a14="http://schemas.microsoft.com/office/drawing/2010/main" xmlns:m="http://schemas.openxmlformats.org/officeDocument/2006/math" xmlns="" val="1"/>
+                  <ma14:wrappingTextBoxFlag xmlns="" xmlns:m="http://schemas.openxmlformats.org/officeDocument/2006/math" xmlns:a14="http://schemas.microsoft.com/office/drawing/2010/main" xmlns:ma14="http://schemas.microsoft.com/office/mac/drawingml/2011/main" val="1"/>
                 </a:ext>
               </a:extLst>
             </p:spPr>
@@ -4181,7 +4248,7 @@
               <a:effectLst/>
               <a:extLst>
                 <a:ext uri="{C572A759-6A51-4108-AA02-DFA0A04FC94B}">
-                  <ma14:wrappingTextBoxFlag xmlns:ma14="http://schemas.microsoft.com/office/mac/drawingml/2011/main" xmlns:a14="http://schemas.microsoft.com/office/drawing/2010/main" xmlns:m="http://schemas.openxmlformats.org/officeDocument/2006/math" xmlns="" val="1"/>
+                  <ma14:wrappingTextBoxFlag xmlns="" xmlns:m="http://schemas.openxmlformats.org/officeDocument/2006/math" xmlns:a14="http://schemas.microsoft.com/office/drawing/2010/main" xmlns:ma14="http://schemas.microsoft.com/office/mac/drawingml/2011/main" val="1"/>
                 </a:ext>
               </a:extLst>
             </p:spPr>
@@ -4399,7 +4466,7 @@
           </a:ln>
           <a:extLst>
             <a:ext uri="{C572A759-6A51-4108-AA02-DFA0A04FC94B}">
-              <ma14:wrappingTextBoxFlag xmlns:ma14="http://schemas.microsoft.com/office/mac/drawingml/2011/main" xmlns:a14="http://schemas.microsoft.com/office/drawing/2010/main" xmlns:m="http://schemas.openxmlformats.org/officeDocument/2006/math" xmlns="" val="1"/>
+              <ma14:wrappingTextBoxFlag xmlns="" xmlns:m="http://schemas.openxmlformats.org/officeDocument/2006/math" xmlns:a14="http://schemas.microsoft.com/office/drawing/2010/main" xmlns:ma14="http://schemas.microsoft.com/office/mac/drawingml/2011/main" val="1"/>
             </a:ext>
           </a:extLst>
         </p:spPr>
@@ -4438,7 +4505,7 @@
           </a:ln>
           <a:extLst>
             <a:ext uri="{C572A759-6A51-4108-AA02-DFA0A04FC94B}">
-              <ma14:wrappingTextBoxFlag xmlns:ma14="http://schemas.microsoft.com/office/mac/drawingml/2011/main" xmlns:a14="http://schemas.microsoft.com/office/drawing/2010/main" xmlns:m="http://schemas.openxmlformats.org/officeDocument/2006/math" xmlns="" val="1"/>
+              <ma14:wrappingTextBoxFlag xmlns="" xmlns:m="http://schemas.openxmlformats.org/officeDocument/2006/math" xmlns:a14="http://schemas.microsoft.com/office/drawing/2010/main" xmlns:ma14="http://schemas.microsoft.com/office/mac/drawingml/2011/main" val="1"/>
             </a:ext>
           </a:extLst>
         </p:spPr>
@@ -5371,7 +5438,7 @@
           </a:ln>
           <a:extLst>
             <a:ext uri="{C572A759-6A51-4108-AA02-DFA0A04FC94B}">
-              <ma14:wrappingTextBoxFlag xmlns:ma14="http://schemas.microsoft.com/office/mac/drawingml/2011/main" xmlns:a14="http://schemas.microsoft.com/office/drawing/2010/main" xmlns:m="http://schemas.openxmlformats.org/officeDocument/2006/math" xmlns="" val="1"/>
+              <ma14:wrappingTextBoxFlag xmlns="" xmlns:m="http://schemas.openxmlformats.org/officeDocument/2006/math" xmlns:a14="http://schemas.microsoft.com/office/drawing/2010/main" xmlns:ma14="http://schemas.microsoft.com/office/mac/drawingml/2011/main" val="1"/>
             </a:ext>
           </a:extLst>
         </p:spPr>
@@ -5418,7 +5485,7 @@
           </a:ln>
           <a:extLst>
             <a:ext uri="{C572A759-6A51-4108-AA02-DFA0A04FC94B}">
-              <ma14:wrappingTextBoxFlag xmlns:ma14="http://schemas.microsoft.com/office/mac/drawingml/2011/main" xmlns:a14="http://schemas.microsoft.com/office/drawing/2010/main" xmlns:m="http://schemas.openxmlformats.org/officeDocument/2006/math" xmlns="" val="1"/>
+              <ma14:wrappingTextBoxFlag xmlns="" xmlns:m="http://schemas.openxmlformats.org/officeDocument/2006/math" xmlns:a14="http://schemas.microsoft.com/office/drawing/2010/main" xmlns:ma14="http://schemas.microsoft.com/office/mac/drawingml/2011/main" val="1"/>
             </a:ext>
           </a:extLst>
         </p:spPr>
@@ -5465,7 +5532,7 @@
           </a:ln>
           <a:extLst>
             <a:ext uri="{C572A759-6A51-4108-AA02-DFA0A04FC94B}">
-              <ma14:wrappingTextBoxFlag xmlns:ma14="http://schemas.microsoft.com/office/mac/drawingml/2011/main" xmlns:a14="http://schemas.microsoft.com/office/drawing/2010/main" xmlns:m="http://schemas.openxmlformats.org/officeDocument/2006/math" xmlns="" val="1"/>
+              <ma14:wrappingTextBoxFlag xmlns="" xmlns:m="http://schemas.openxmlformats.org/officeDocument/2006/math" xmlns:a14="http://schemas.microsoft.com/office/drawing/2010/main" xmlns:ma14="http://schemas.microsoft.com/office/mac/drawingml/2011/main" val="1"/>
             </a:ext>
           </a:extLst>
         </p:spPr>
@@ -5512,7 +5579,7 @@
           </a:ln>
           <a:extLst>
             <a:ext uri="{C572A759-6A51-4108-AA02-DFA0A04FC94B}">
-              <ma14:wrappingTextBoxFlag xmlns:ma14="http://schemas.microsoft.com/office/mac/drawingml/2011/main" xmlns:a14="http://schemas.microsoft.com/office/drawing/2010/main" xmlns:m="http://schemas.openxmlformats.org/officeDocument/2006/math" xmlns="" val="1"/>
+              <ma14:wrappingTextBoxFlag xmlns="" xmlns:m="http://schemas.openxmlformats.org/officeDocument/2006/math" xmlns:a14="http://schemas.microsoft.com/office/drawing/2010/main" xmlns:ma14="http://schemas.microsoft.com/office/mac/drawingml/2011/main" val="1"/>
             </a:ext>
           </a:extLst>
         </p:spPr>
@@ -5594,7 +5661,7 @@
           </a:ln>
           <a:extLst>
             <a:ext uri="{C572A759-6A51-4108-AA02-DFA0A04FC94B}">
-              <ma14:wrappingTextBoxFlag xmlns:ma14="http://schemas.microsoft.com/office/mac/drawingml/2011/main" xmlns:a14="http://schemas.microsoft.com/office/drawing/2010/main" xmlns:m="http://schemas.openxmlformats.org/officeDocument/2006/math" xmlns="" val="1"/>
+              <ma14:wrappingTextBoxFlag xmlns="" xmlns:m="http://schemas.openxmlformats.org/officeDocument/2006/math" xmlns:a14="http://schemas.microsoft.com/office/drawing/2010/main" xmlns:ma14="http://schemas.microsoft.com/office/mac/drawingml/2011/main" val="1"/>
             </a:ext>
           </a:extLst>
         </p:spPr>
@@ -5912,7 +5979,7 @@
     <a:masterClrMapping/>
   </p:clrMapOvr>
   <mc:AlternateContent xmlns:mc="http://schemas.openxmlformats.org/markup-compatibility/2006">
-    <mc:Choice xmlns="" xmlns:p159="http://schemas.microsoft.com/office/powerpoint/2015/09/main" Requires="p159">
+    <mc:Choice xmlns:p159="http://schemas.microsoft.com/office/powerpoint/2015/09/main" xmlns="" Requires="p159">
       <p:transition xmlns:p14="http://schemas.microsoft.com/office/powerpoint/2010/main" spd="slow" p14:dur="2000">
         <p159:morph option="byObject"/>
       </p:transition>
@@ -6037,7 +6104,7 @@
             <a:pPr>
               <a:buSzPct val="80000"/>
               <a:buBlip>
-                <a:blip r:embed="rId2"/>
+                <a:blip r:embed="rId3"/>
               </a:buBlip>
             </a:pPr>
             <a:r>
@@ -6045,22 +6112,14 @@
                 <a:latin typeface="Arial" panose="020B0604020202020204" pitchFamily="34" charset="0"/>
                 <a:cs typeface="Arial" panose="020B0604020202020204" pitchFamily="34" charset="0"/>
               </a:rPr>
-              <a:t>空間順序的組織形式</a:t>
-            </a:r>
-          </a:p>
-          <a:p>
-            <a:pPr>
-              <a:buSzPct val="80000"/>
-              <a:buBlip>
-                <a:blip r:embed="rId2"/>
-              </a:buBlip>
-            </a:pPr>
+              <a:t>空間順序的組織</a:t>
+            </a:r>
             <a:r>
               <a:rPr lang="zh-TW" altLang="en-US" sz="4000" b="1" dirty="0" smtClean="0">
                 <a:latin typeface="Arial" panose="020B0604020202020204" pitchFamily="34" charset="0"/>
                 <a:cs typeface="Arial" panose="020B0604020202020204" pitchFamily="34" charset="0"/>
               </a:rPr>
-              <a:t>現在式</a:t>
+              <a:t>形式</a:t>
             </a:r>
             <a:endParaRPr lang="en-US" altLang="zh-TW" sz="4000" b="1" dirty="0" smtClean="0">
               <a:latin typeface="Arial" panose="020B0604020202020204" pitchFamily="34" charset="0"/>
@@ -6078,31 +6137,31 @@
             <a:pPr marL="476238" lvl="2">
               <a:buSzPct val="80000"/>
               <a:buBlip>
-                <a:blip r:embed="rId2"/>
+                <a:blip r:embed="rId3"/>
               </a:buBlip>
             </a:pPr>
             <a:r>
-              <a:rPr lang="zh-TW" altLang="en-US" b="1" dirty="0"/>
+              <a:rPr lang="zh-TW" altLang="en-US" sz="4000" b="1" dirty="0"/>
               <a:t>功能順序的組織</a:t>
             </a:r>
             <a:r>
-              <a:rPr lang="zh-TW" altLang="en-US" b="1" dirty="0" smtClean="0"/>
+              <a:rPr lang="zh-TW" altLang="en-US" sz="4000" b="1" dirty="0" smtClean="0"/>
               <a:t>形式</a:t>
             </a:r>
-            <a:endParaRPr lang="en-US" altLang="zh-TW" b="1" dirty="0" smtClean="0"/>
+            <a:endParaRPr lang="en-US" altLang="zh-TW" sz="4000" b="1" dirty="0" smtClean="0"/>
           </a:p>
           <a:p>
             <a:pPr marL="476238" lvl="2">
               <a:buSzPct val="80000"/>
               <a:buBlip>
-                <a:blip r:embed="rId2"/>
+                <a:blip r:embed="rId3"/>
               </a:buBlip>
             </a:pPr>
             <a:r>
-              <a:rPr lang="zh-TW" altLang="en-US" b="1" dirty="0" smtClean="0"/>
+              <a:rPr lang="zh-TW" altLang="en-US" sz="4000" b="1" dirty="0" smtClean="0"/>
               <a:t>時態</a:t>
             </a:r>
-            <a:endParaRPr lang="zh-TW" altLang="en-US" b="1" dirty="0"/>
+            <a:endParaRPr lang="zh-TW" altLang="en-US" sz="4000" b="1" dirty="0"/>
           </a:p>
           <a:p>
             <a:pPr marL="1620000" lvl="4"/>
@@ -6191,13 +6250,38 @@
             </a:r>
             <a:r>
               <a:rPr lang="zh-TW" altLang="en-US" sz="4800" dirty="0"/>
-              <a:t>對材料或設備的</a:t>
-            </a:r>
-            <a:r>
-              <a:rPr lang="zh-TW" altLang="en-US" sz="4800" dirty="0" smtClean="0"/>
-              <a:t>描述</a:t>
-            </a:r>
-            <a:endParaRPr lang="zh-TW" altLang="en-US" sz="4800" dirty="0"/>
+              <a:t>對材料或設備的描述</a:t>
+            </a:r>
+          </a:p>
+        </p:txBody>
+      </p:sp>
+      <p:sp>
+        <p:nvSpPr>
+          <p:cNvPr id="3" name="文字版面配置區 2"/>
+          <p:cNvSpPr>
+            <a:spLocks noGrp="1"/>
+          </p:cNvSpPr>
+          <p:nvPr>
+            <p:ph type="body" idx="1"/>
+          </p:nvPr>
+        </p:nvSpPr>
+        <p:spPr>
+          <a:xfrm>
+            <a:off x="1266825" y="2371391"/>
+            <a:ext cx="15754350" cy="717249"/>
+          </a:xfrm>
+        </p:spPr>
+        <p:txBody>
+          <a:bodyPr>
+            <a:normAutofit/>
+          </a:bodyPr>
+          <a:lstStyle/>
+          <a:p>
+            <a:r>
+              <a:rPr lang="zh-TW" altLang="en-US" sz="4000" dirty="0" smtClean="0"/>
+              <a:t>注意，若採用不同的時態，句子的意義也會隨之改變。</a:t>
+            </a:r>
+            <a:endParaRPr lang="zh-TW" altLang="en-US" sz="4000" dirty="0"/>
           </a:p>
         </p:txBody>
       </p:sp>
@@ -6226,95 +6310,160 @@
       </p:sp>
       <p:sp>
         <p:nvSpPr>
-          <p:cNvPr id="5" name="Text Placeholder 2">
-            <a:extLst>
-              <a:ext uri="{FF2B5EF4-FFF2-40B4-BE49-F238E27FC236}">
-                <a16:creationId xmlns:a16="http://schemas.microsoft.com/office/drawing/2014/main" id="{858E84DA-0FDA-BE48-BFD1-2A36DB17383E}"/>
-              </a:ext>
-            </a:extLst>
-          </p:cNvPr>
-          <p:cNvSpPr>
-            <a:spLocks noGrp="1"/>
-          </p:cNvSpPr>
-          <p:nvPr>
-            <p:ph type="body" idx="1"/>
-          </p:nvPr>
+          <p:cNvPr id="5" name="矩形 4"/>
+          <p:cNvSpPr/>
+          <p:nvPr/>
         </p:nvSpPr>
         <p:spPr>
           <a:xfrm>
-            <a:off x="1266824" y="2371390"/>
-            <a:ext cx="16584757" cy="9922210"/>
+            <a:off x="1266825" y="5554329"/>
+            <a:ext cx="16045814" cy="1323439"/>
           </a:xfrm>
+          <a:prstGeom prst="rect">
+            <a:avLst/>
+          </a:prstGeom>
         </p:spPr>
         <p:txBody>
-          <a:bodyPr>
-            <a:noAutofit/>
+          <a:bodyPr wrap="square">
+            <a:spAutoFit/>
           </a:bodyPr>
           <a:lstStyle/>
           <a:p>
-            <a:pPr marL="476238" lvl="2">
-              <a:buSzPct val="80000"/>
-              <a:buBlip>
-                <a:blip r:embed="rId2"/>
-              </a:buBlip>
-            </a:pPr>
-            <a:r>
-              <a:rPr lang="zh-TW" altLang="en-US" sz="4000" b="1" dirty="0"/>
-              <a:t>語態</a:t>
-            </a:r>
-            <a:endParaRPr lang="en-US" altLang="zh-TW" sz="4000" b="1" dirty="0"/>
-          </a:p>
-          <a:p>
-            <a:pPr marL="1620000" lvl="4" eaLnBrk="1" hangingPunct="1"/>
-            <a:r>
-              <a:rPr lang="zh-TW" altLang="en-US" dirty="0" smtClean="0"/>
-              <a:t>通常會使用被動語態來描述自己的行動，如實驗程序。</a:t>
-            </a:r>
-          </a:p>
-          <a:p>
-            <a:pPr marL="1620000" lvl="4" eaLnBrk="1" hangingPunct="1"/>
-            <a:r>
-              <a:rPr lang="zh-TW" altLang="en-US" dirty="0" smtClean="0"/>
-              <a:t>若描述的是實驗設備或材料的運作或反應時，則一般會使用主動語態。</a:t>
-            </a:r>
-          </a:p>
-          <a:p>
-            <a:pPr marL="1620000" lvl="4" eaLnBrk="1" hangingPunct="1"/>
-            <a:r>
-              <a:rPr lang="zh-TW" altLang="en-US" dirty="0" smtClean="0"/>
-              <a:t>只有及物動詞才有被動形式。</a:t>
-            </a:r>
-            <a:endParaRPr lang="zh-TW" altLang="en-US" dirty="0" smtClean="0">
-              <a:effectLst>
-                <a:outerShdw blurRad="38100" dist="38100" dir="2700000" algn="tl">
-                  <a:srgbClr val="C0C0C0"/>
-                </a:outerShdw>
-              </a:effectLst>
-            </a:endParaRPr>
-          </a:p>
-          <a:p>
-            <a:pPr marL="1428715" lvl="5" indent="0">
-              <a:buSzPct val="80000"/>
-              <a:buNone/>
-            </a:pPr>
-            <a:endParaRPr lang="zh-TW" altLang="en-US" b="1" dirty="0"/>
-          </a:p>
-          <a:p>
-            <a:pPr marL="0" indent="0">
-              <a:buSzPct val="80000"/>
-              <a:buNone/>
-            </a:pPr>
-            <a:endParaRPr lang="zh-TW" altLang="en-US" sz="4000" dirty="0">
-              <a:latin typeface="Arial" panose="020B0604020202020204" pitchFamily="34" charset="0"/>
-              <a:cs typeface="Arial" panose="020B0604020202020204" pitchFamily="34" charset="0"/>
-            </a:endParaRPr>
+            <a:pPr algn="l"/>
+            <a:r>
+              <a:rPr lang="en-US" altLang="zh-TW" sz="4000" b="0" dirty="0" smtClean="0"/>
+              <a:t>The sample holders </a:t>
+            </a:r>
+            <a:r>
+              <a:rPr lang="en-US" altLang="zh-TW" sz="4000" dirty="0" smtClean="0"/>
+              <a:t>were</a:t>
+            </a:r>
+            <a:r>
+              <a:rPr lang="en-US" altLang="zh-TW" sz="4000" b="0" dirty="0" smtClean="0"/>
+              <a:t> specially </a:t>
+            </a:r>
+            <a:r>
+              <a:rPr lang="en-US" altLang="zh-TW" sz="4000" dirty="0" smtClean="0"/>
+              <a:t>designed</a:t>
+            </a:r>
+            <a:r>
+              <a:rPr lang="en-US" altLang="zh-TW" sz="4000" b="0" dirty="0" smtClean="0"/>
+              <a:t> to prevent slippage during measurement.</a:t>
+            </a:r>
+            <a:endParaRPr lang="zh-TW" altLang="en-US" sz="4000" b="0" dirty="0"/>
+          </a:p>
+        </p:txBody>
+      </p:sp>
+      <p:sp>
+        <p:nvSpPr>
+          <p:cNvPr id="6" name="矩形 5"/>
+          <p:cNvSpPr/>
+          <p:nvPr/>
+        </p:nvSpPr>
+        <p:spPr>
+          <a:xfrm>
+            <a:off x="1266826" y="4036746"/>
+            <a:ext cx="15463680" cy="1323439"/>
+          </a:xfrm>
+          <a:prstGeom prst="rect">
+            <a:avLst/>
+          </a:prstGeom>
+        </p:spPr>
+        <p:txBody>
+          <a:bodyPr wrap="square">
+            <a:spAutoFit/>
+          </a:bodyPr>
+          <a:lstStyle/>
+          <a:p>
+            <a:pPr algn="l"/>
+            <a:r>
+              <a:rPr lang="zh-TW" altLang="en-US" sz="4000" b="0" dirty="0"/>
+              <a:t>下面的例句使用了過去式，所以讀者能夠知道作者的設備是為了實驗而特別設計的。</a:t>
+            </a:r>
+            <a:endParaRPr lang="zh-TW" altLang="en-US" sz="4000" b="0" dirty="0"/>
+          </a:p>
+        </p:txBody>
+      </p:sp>
+      <p:sp>
+        <p:nvSpPr>
+          <p:cNvPr id="7" name="矩形 6"/>
+          <p:cNvSpPr/>
+          <p:nvPr/>
+        </p:nvSpPr>
+        <p:spPr>
+          <a:xfrm>
+            <a:off x="1266825" y="9273807"/>
+            <a:ext cx="16045814" cy="1323439"/>
+          </a:xfrm>
+          <a:prstGeom prst="rect">
+            <a:avLst/>
+          </a:prstGeom>
+        </p:spPr>
+        <p:txBody>
+          <a:bodyPr wrap="square">
+            <a:spAutoFit/>
+          </a:bodyPr>
+          <a:lstStyle/>
+          <a:p>
+            <a:pPr algn="l"/>
+            <a:r>
+              <a:rPr lang="en-US" altLang="zh-TW" sz="4000" b="0" dirty="0" smtClean="0"/>
+              <a:t>The sample holders </a:t>
+            </a:r>
+            <a:r>
+              <a:rPr lang="en-US" altLang="zh-TW" sz="4000" dirty="0" smtClean="0"/>
+              <a:t>are</a:t>
+            </a:r>
+            <a:r>
+              <a:rPr lang="en-US" altLang="zh-TW" sz="4000" b="0" dirty="0" smtClean="0"/>
+              <a:t> specially </a:t>
+            </a:r>
+            <a:r>
+              <a:rPr lang="en-US" altLang="zh-TW" sz="4000" dirty="0" smtClean="0"/>
+              <a:t>designed</a:t>
+            </a:r>
+            <a:r>
+              <a:rPr lang="en-US" altLang="zh-TW" sz="4000" b="0" dirty="0" smtClean="0"/>
+              <a:t> to prevent slippage during measurement.</a:t>
+            </a:r>
+            <a:endParaRPr lang="zh-TW" altLang="en-US" sz="4000" b="0" dirty="0"/>
+          </a:p>
+        </p:txBody>
+      </p:sp>
+      <p:sp>
+        <p:nvSpPr>
+          <p:cNvPr id="8" name="矩形 7"/>
+          <p:cNvSpPr/>
+          <p:nvPr/>
+        </p:nvSpPr>
+        <p:spPr>
+          <a:xfrm>
+            <a:off x="1266826" y="7756224"/>
+            <a:ext cx="15463680" cy="1323439"/>
+          </a:xfrm>
+          <a:prstGeom prst="rect">
+            <a:avLst/>
+          </a:prstGeom>
+        </p:spPr>
+        <p:txBody>
+          <a:bodyPr wrap="square">
+            <a:spAutoFit/>
+          </a:bodyPr>
+          <a:lstStyle/>
+          <a:p>
+            <a:pPr algn="l"/>
+            <a:r>
+              <a:rPr lang="zh-TW" altLang="en-US" sz="4000" b="0" dirty="0" smtClean="0"/>
+              <a:t>如果將動詞改為現在式，句意就會改變。會讓人覺得作者所描述的設備是任何人都可以取得的。</a:t>
+            </a:r>
+            <a:endParaRPr lang="zh-TW" altLang="en-US" sz="4000" b="0" dirty="0"/>
           </a:p>
         </p:txBody>
       </p:sp>
     </p:spTree>
     <p:extLst>
       <p:ext uri="{BB962C8B-B14F-4D97-AF65-F5344CB8AC3E}">
-        <p14:creationId xmlns:p14="http://schemas.microsoft.com/office/powerpoint/2010/main" val="1355677893"/>
+        <p14:creationId xmlns:p14="http://schemas.microsoft.com/office/powerpoint/2010/main" val="3853735706"/>
       </p:ext>
     </p:extLst>
   </p:cSld>
@@ -6322,13 +6471,6 @@
     <a:masterClrMapping/>
   </p:clrMapOvr>
   <p:transition spd="med"/>
-  <p:timing>
-    <p:tnLst>
-      <p:par>
-        <p:cTn id="1" dur="indefinite" restart="never" nodeType="tmRoot"/>
-      </p:par>
-    </p:tnLst>
-  </p:timing>
 </p:sld>
 </file>
 
@@ -6361,10 +6503,52 @@
         </p:nvSpPr>
         <p:spPr/>
         <p:txBody>
-          <a:bodyPr/>
+          <a:bodyPr>
+            <a:normAutofit/>
+          </a:bodyPr>
           <a:lstStyle/>
           <a:p>
-            <a:endParaRPr lang="zh-TW" altLang="en-US"/>
+            <a:r>
+              <a:rPr lang="en-US" altLang="zh-TW" sz="4800" dirty="0"/>
+              <a:t>15.3 </a:t>
+            </a:r>
+            <a:r>
+              <a:rPr lang="zh-TW" altLang="en-US" sz="4800" dirty="0"/>
+              <a:t>對材料或設備的描述</a:t>
+            </a:r>
+          </a:p>
+        </p:txBody>
+      </p:sp>
+      <p:sp>
+        <p:nvSpPr>
+          <p:cNvPr id="3" name="文字版面配置區 2"/>
+          <p:cNvSpPr>
+            <a:spLocks noGrp="1"/>
+          </p:cNvSpPr>
+          <p:nvPr>
+            <p:ph type="body" idx="1"/>
+          </p:nvPr>
+        </p:nvSpPr>
+        <p:spPr>
+          <a:xfrm>
+            <a:off x="1266825" y="2371391"/>
+            <a:ext cx="15754350" cy="1611329"/>
+          </a:xfrm>
+        </p:spPr>
+        <p:txBody>
+          <a:bodyPr>
+            <a:normAutofit/>
+          </a:bodyPr>
+          <a:lstStyle/>
+          <a:p>
+            <a:pPr marL="0" indent="0">
+              <a:buNone/>
+            </a:pPr>
+            <a:r>
+              <a:rPr lang="zh-TW" altLang="en-US" sz="4000" dirty="0" smtClean="0"/>
+              <a:t>此外，描述研究對象時偶爾還會用到過去完成式。當要敘述過去特定時間前已完成的行為或事件，便要用到過去完成式。</a:t>
+            </a:r>
+            <a:endParaRPr lang="zh-TW" altLang="en-US" sz="4000" dirty="0"/>
           </a:p>
         </p:txBody>
       </p:sp>
@@ -6386,6 +6570,314 @@
             <a:fld id="{86CB4B4D-7CA3-9044-876B-883B54F8677D}" type="slidenum">
               <a:rPr lang="en-US" altLang="zh-TW" smtClean="0"/>
               <a:t>11</a:t>
+            </a:fld>
+            <a:endParaRPr lang="zh-TW" altLang="en-US" dirty="0"/>
+          </a:p>
+        </p:txBody>
+      </p:sp>
+      <p:sp>
+        <p:nvSpPr>
+          <p:cNvPr id="5" name="矩形 4"/>
+          <p:cNvSpPr/>
+          <p:nvPr/>
+        </p:nvSpPr>
+        <p:spPr>
+          <a:xfrm>
+            <a:off x="1266826" y="5061289"/>
+            <a:ext cx="16045814" cy="1938992"/>
+          </a:xfrm>
+          <a:prstGeom prst="rect">
+            <a:avLst/>
+          </a:prstGeom>
+        </p:spPr>
+        <p:txBody>
+          <a:bodyPr wrap="square">
+            <a:spAutoFit/>
+          </a:bodyPr>
+          <a:lstStyle/>
+          <a:p>
+            <a:pPr algn="l"/>
+            <a:r>
+              <a:rPr lang="en-US" altLang="zh-TW" sz="4000" b="0" dirty="0" smtClean="0"/>
+              <a:t>At the time of experiment, the students </a:t>
+            </a:r>
+            <a:r>
+              <a:rPr lang="en-US" altLang="zh-TW" sz="4000" dirty="0" smtClean="0"/>
+              <a:t>had</a:t>
+            </a:r>
+            <a:r>
+              <a:rPr lang="en-US" altLang="zh-TW" sz="4000" b="0" dirty="0" smtClean="0"/>
+              <a:t> already </a:t>
+            </a:r>
+            <a:r>
+              <a:rPr lang="en-US" altLang="zh-TW" sz="4000" dirty="0" smtClean="0"/>
+              <a:t>been exposed </a:t>
+            </a:r>
+            <a:r>
+              <a:rPr lang="en-US" altLang="zh-TW" sz="4000" b="0" dirty="0" smtClean="0"/>
+              <a:t>to Pascal for four weeks, and each student </a:t>
+            </a:r>
+            <a:r>
+              <a:rPr lang="en-US" altLang="zh-TW" sz="4000" dirty="0" smtClean="0"/>
+              <a:t>had written </a:t>
+            </a:r>
+            <a:r>
+              <a:rPr lang="en-US" altLang="zh-TW" sz="4000" b="0" dirty="0" smtClean="0"/>
+              <a:t>at least two programs in Pascal.</a:t>
+            </a:r>
+            <a:endParaRPr lang="zh-TW" altLang="en-US" sz="4000" b="0" dirty="0"/>
+          </a:p>
+        </p:txBody>
+      </p:sp>
+    </p:spTree>
+    <p:extLst>
+      <p:ext uri="{BB962C8B-B14F-4D97-AF65-F5344CB8AC3E}">
+        <p14:creationId xmlns:p14="http://schemas.microsoft.com/office/powerpoint/2010/main" val="2769558096"/>
+      </p:ext>
+    </p:extLst>
+  </p:cSld>
+  <p:clrMapOvr>
+    <a:masterClrMapping/>
+  </p:clrMapOvr>
+  <p:transition spd="med"/>
+</p:sld>
+</file>
+
+<file path=ppt/slides/slide13.xml><?xml version="1.0" encoding="utf-8"?>
+<p:sld xmlns:a="http://schemas.openxmlformats.org/drawingml/2006/main" xmlns:r="http://schemas.openxmlformats.org/officeDocument/2006/relationships" xmlns:p="http://schemas.openxmlformats.org/presentationml/2006/main">
+  <p:cSld>
+    <p:spTree>
+      <p:nvGrpSpPr>
+        <p:cNvPr id="1" name=""/>
+        <p:cNvGrpSpPr/>
+        <p:nvPr/>
+      </p:nvGrpSpPr>
+      <p:grpSpPr>
+        <a:xfrm>
+          <a:off x="0" y="0"/>
+          <a:ext cx="0" cy="0"/>
+          <a:chOff x="0" y="0"/>
+          <a:chExt cx="0" cy="0"/>
+        </a:xfrm>
+      </p:grpSpPr>
+      <p:sp>
+        <p:nvSpPr>
+          <p:cNvPr id="2" name="標題 1"/>
+          <p:cNvSpPr>
+            <a:spLocks noGrp="1"/>
+          </p:cNvSpPr>
+          <p:nvPr>
+            <p:ph type="title"/>
+          </p:nvPr>
+        </p:nvSpPr>
+        <p:spPr/>
+        <p:txBody>
+          <a:bodyPr>
+            <a:normAutofit/>
+          </a:bodyPr>
+          <a:lstStyle/>
+          <a:p>
+            <a:r>
+              <a:rPr lang="en-US" altLang="zh-TW" sz="4800" dirty="0"/>
+              <a:t>15.3 </a:t>
+            </a:r>
+            <a:r>
+              <a:rPr lang="zh-TW" altLang="en-US" sz="4800" dirty="0"/>
+              <a:t>對材料或設備的</a:t>
+            </a:r>
+            <a:r>
+              <a:rPr lang="zh-TW" altLang="en-US" sz="4800" dirty="0" smtClean="0"/>
+              <a:t>描述</a:t>
+            </a:r>
+            <a:endParaRPr lang="zh-TW" altLang="en-US" sz="4800" dirty="0"/>
+          </a:p>
+        </p:txBody>
+      </p:sp>
+      <p:sp>
+        <p:nvSpPr>
+          <p:cNvPr id="4" name="投影片編號版面配置區 3"/>
+          <p:cNvSpPr>
+            <a:spLocks noGrp="1"/>
+          </p:cNvSpPr>
+          <p:nvPr>
+            <p:ph type="sldNum" sz="quarter" idx="2"/>
+          </p:nvPr>
+        </p:nvSpPr>
+        <p:spPr/>
+        <p:txBody>
+          <a:bodyPr/>
+          <a:lstStyle/>
+          <a:p>
+            <a:fld id="{86CB4B4D-7CA3-9044-876B-883B54F8677D}" type="slidenum">
+              <a:rPr lang="en-US" altLang="zh-TW" smtClean="0"/>
+              <a:t>12</a:t>
+            </a:fld>
+            <a:endParaRPr lang="zh-TW" altLang="en-US" dirty="0"/>
+          </a:p>
+        </p:txBody>
+      </p:sp>
+      <p:sp>
+        <p:nvSpPr>
+          <p:cNvPr id="5" name="Text Placeholder 2">
+            <a:extLst>
+              <a:ext uri="{FF2B5EF4-FFF2-40B4-BE49-F238E27FC236}">
+                <a16:creationId xmlns:a16="http://schemas.microsoft.com/office/drawing/2014/main" id="{858E84DA-0FDA-BE48-BFD1-2A36DB17383E}"/>
+              </a:ext>
+            </a:extLst>
+          </p:cNvPr>
+          <p:cNvSpPr>
+            <a:spLocks noGrp="1"/>
+          </p:cNvSpPr>
+          <p:nvPr>
+            <p:ph type="body" idx="1"/>
+          </p:nvPr>
+        </p:nvSpPr>
+        <p:spPr>
+          <a:xfrm>
+            <a:off x="1266824" y="2371390"/>
+            <a:ext cx="16584757" cy="9922210"/>
+          </a:xfrm>
+        </p:spPr>
+        <p:txBody>
+          <a:bodyPr>
+            <a:noAutofit/>
+          </a:bodyPr>
+          <a:lstStyle/>
+          <a:p>
+            <a:pPr marL="476238" lvl="2">
+              <a:buSzPct val="80000"/>
+              <a:buBlip>
+                <a:blip r:embed="rId2"/>
+              </a:buBlip>
+            </a:pPr>
+            <a:r>
+              <a:rPr lang="zh-TW" altLang="en-US" sz="4000" b="1" dirty="0"/>
+              <a:t>語態</a:t>
+            </a:r>
+            <a:endParaRPr lang="en-US" altLang="zh-TW" sz="4000" b="1" dirty="0"/>
+          </a:p>
+          <a:p>
+            <a:pPr marL="1620000" lvl="4" eaLnBrk="1" hangingPunct="1"/>
+            <a:r>
+              <a:rPr lang="zh-TW" altLang="en-US" dirty="0" smtClean="0"/>
+              <a:t>通常會使用被動語態來描述自己的行動，如實驗程序。</a:t>
+            </a:r>
+          </a:p>
+          <a:p>
+            <a:pPr marL="1620000" lvl="4" eaLnBrk="1" hangingPunct="1"/>
+            <a:r>
+              <a:rPr lang="zh-TW" altLang="en-US" dirty="0" smtClean="0"/>
+              <a:t>若描述的是實驗設備或材料的運作或反應時，則一般會使用主動語態。</a:t>
+            </a:r>
+          </a:p>
+          <a:p>
+            <a:pPr marL="1620000" lvl="4" eaLnBrk="1" hangingPunct="1"/>
+            <a:r>
+              <a:rPr lang="zh-TW" altLang="en-US" dirty="0" smtClean="0"/>
+              <a:t>只有及物動詞才有被動形式。</a:t>
+            </a:r>
+            <a:endParaRPr lang="zh-TW" altLang="en-US" dirty="0" smtClean="0">
+              <a:effectLst>
+                <a:outerShdw blurRad="38100" dist="38100" dir="2700000" algn="tl">
+                  <a:srgbClr val="C0C0C0"/>
+                </a:outerShdw>
+              </a:effectLst>
+            </a:endParaRPr>
+          </a:p>
+          <a:p>
+            <a:pPr marL="1428715" lvl="5" indent="0">
+              <a:buSzPct val="80000"/>
+              <a:buNone/>
+            </a:pPr>
+            <a:endParaRPr lang="zh-TW" altLang="en-US" b="1" dirty="0"/>
+          </a:p>
+          <a:p>
+            <a:pPr marL="0" indent="0">
+              <a:buSzPct val="80000"/>
+              <a:buNone/>
+            </a:pPr>
+            <a:endParaRPr lang="zh-TW" altLang="en-US" sz="4000" dirty="0">
+              <a:latin typeface="Arial" panose="020B0604020202020204" pitchFamily="34" charset="0"/>
+              <a:cs typeface="Arial" panose="020B0604020202020204" pitchFamily="34" charset="0"/>
+            </a:endParaRPr>
+          </a:p>
+        </p:txBody>
+      </p:sp>
+    </p:spTree>
+    <p:extLst>
+      <p:ext uri="{BB962C8B-B14F-4D97-AF65-F5344CB8AC3E}">
+        <p14:creationId xmlns:p14="http://schemas.microsoft.com/office/powerpoint/2010/main" val="1355677893"/>
+      </p:ext>
+    </p:extLst>
+  </p:cSld>
+  <p:clrMapOvr>
+    <a:masterClrMapping/>
+  </p:clrMapOvr>
+  <p:transition spd="med"/>
+  <p:timing>
+    <p:tnLst>
+      <p:par>
+        <p:cTn id="1" dur="indefinite" restart="never" nodeType="tmRoot"/>
+      </p:par>
+    </p:tnLst>
+  </p:timing>
+</p:sld>
+</file>
+
+<file path=ppt/slides/slide14.xml><?xml version="1.0" encoding="utf-8"?>
+<p:sld xmlns:a="http://schemas.openxmlformats.org/drawingml/2006/main" xmlns:r="http://schemas.openxmlformats.org/officeDocument/2006/relationships" xmlns:p="http://schemas.openxmlformats.org/presentationml/2006/main">
+  <p:cSld>
+    <p:spTree>
+      <p:nvGrpSpPr>
+        <p:cNvPr id="1" name=""/>
+        <p:cNvGrpSpPr/>
+        <p:nvPr/>
+      </p:nvGrpSpPr>
+      <p:grpSpPr>
+        <a:xfrm>
+          <a:off x="0" y="0"/>
+          <a:ext cx="0" cy="0"/>
+          <a:chOff x="0" y="0"/>
+          <a:chExt cx="0" cy="0"/>
+        </a:xfrm>
+      </p:grpSpPr>
+      <p:sp>
+        <p:nvSpPr>
+          <p:cNvPr id="2" name="標題 1"/>
+          <p:cNvSpPr>
+            <a:spLocks noGrp="1"/>
+          </p:cNvSpPr>
+          <p:nvPr>
+            <p:ph type="title"/>
+          </p:nvPr>
+        </p:nvSpPr>
+        <p:spPr/>
+        <p:txBody>
+          <a:bodyPr/>
+          <a:lstStyle/>
+          <a:p>
+            <a:endParaRPr lang="zh-TW" altLang="en-US"/>
+          </a:p>
+        </p:txBody>
+      </p:sp>
+      <p:sp>
+        <p:nvSpPr>
+          <p:cNvPr id="4" name="投影片編號版面配置區 3"/>
+          <p:cNvSpPr>
+            <a:spLocks noGrp="1"/>
+          </p:cNvSpPr>
+          <p:nvPr>
+            <p:ph type="sldNum" sz="quarter" idx="2"/>
+          </p:nvPr>
+        </p:nvSpPr>
+        <p:spPr/>
+        <p:txBody>
+          <a:bodyPr/>
+          <a:lstStyle/>
+          <a:p>
+            <a:fld id="{86CB4B4D-7CA3-9044-876B-883B54F8677D}" type="slidenum">
+              <a:rPr lang="en-US" altLang="zh-TW" smtClean="0"/>
+              <a:t>13</a:t>
             </a:fld>
             <a:endParaRPr lang="zh-TW" altLang="en-US" dirty="0"/>
           </a:p>
@@ -6627,7 +7119,7 @@
 </p:sld>
 </file>
 
-<file path=ppt/slides/slide13.xml><?xml version="1.0" encoding="utf-8"?>
+<file path=ppt/slides/slide15.xml><?xml version="1.0" encoding="utf-8"?>
 <p:sld xmlns:a="http://schemas.openxmlformats.org/drawingml/2006/main" xmlns:r="http://schemas.openxmlformats.org/officeDocument/2006/relationships" xmlns:p="http://schemas.openxmlformats.org/presentationml/2006/main">
   <p:cSld>
     <p:spTree>
@@ -6664,7 +7156,7 @@
           </a:prstGeom>
           <a:extLst>
             <a:ext uri="{C572A759-6A51-4108-AA02-DFA0A04FC94B}">
-              <ma14:wrappingTextBoxFlag xmlns:ma14="http://schemas.microsoft.com/office/mac/drawingml/2011/main" xmlns:a14="http://schemas.microsoft.com/office/drawing/2010/main" xmlns:m="http://schemas.openxmlformats.org/officeDocument/2006/math" xmlns="" val="1"/>
+              <ma14:wrappingTextBoxFlag xmlns="" xmlns:m="http://schemas.openxmlformats.org/officeDocument/2006/math" xmlns:a14="http://schemas.microsoft.com/office/drawing/2010/main" xmlns:ma14="http://schemas.microsoft.com/office/mac/drawingml/2011/main" val="1"/>
             </a:ext>
           </a:extLst>
         </p:spPr>
@@ -6673,7 +7165,7 @@
           <a:lstStyle/>
           <a:p>
             <a:fld id="{86CB4B4D-7CA3-9044-876B-883B54F8677D}" type="slidenum">
-              <a:t>12</a:t>
+              <a:t>14</a:t>
             </a:fld>
             <a:endParaRPr/>
           </a:p>
@@ -6788,7 +7280,7 @@
           </a:ln>
           <a:extLst>
             <a:ext uri="{C572A759-6A51-4108-AA02-DFA0A04FC94B}">
-              <ma14:wrappingTextBoxFlag xmlns:ma14="http://schemas.microsoft.com/office/mac/drawingml/2011/main" xmlns:a14="http://schemas.microsoft.com/office/drawing/2010/main" xmlns:m="http://schemas.openxmlformats.org/officeDocument/2006/math" xmlns="" val="1"/>
+              <ma14:wrappingTextBoxFlag xmlns="" xmlns:m="http://schemas.openxmlformats.org/officeDocument/2006/math" xmlns:a14="http://schemas.microsoft.com/office/drawing/2010/main" xmlns:ma14="http://schemas.microsoft.com/office/mac/drawingml/2011/main" val="1"/>
             </a:ext>
           </a:extLst>
         </p:spPr>
@@ -9135,7 +9627,7 @@
           </a:ln>
           <a:extLst>
             <a:ext uri="{C572A759-6A51-4108-AA02-DFA0A04FC94B}">
-              <ma14:wrappingTextBoxFlag xmlns:ma14="http://schemas.microsoft.com/office/mac/drawingml/2011/main" xmlns:a14="http://schemas.microsoft.com/office/drawing/2010/main" xmlns:m="http://schemas.openxmlformats.org/officeDocument/2006/math" xmlns="" val="1"/>
+              <ma14:wrappingTextBoxFlag xmlns="" xmlns:m="http://schemas.openxmlformats.org/officeDocument/2006/math" xmlns:a14="http://schemas.microsoft.com/office/drawing/2010/main" xmlns:ma14="http://schemas.microsoft.com/office/mac/drawingml/2011/main" val="1"/>
             </a:ext>
           </a:extLst>
         </p:spPr>
@@ -9484,7 +9976,7 @@
           </a:ln>
           <a:extLst>
             <a:ext uri="{C572A759-6A51-4108-AA02-DFA0A04FC94B}">
-              <ma14:wrappingTextBoxFlag xmlns:ma14="http://schemas.microsoft.com/office/mac/drawingml/2011/main" xmlns:a14="http://schemas.microsoft.com/office/drawing/2010/main" xmlns:m="http://schemas.openxmlformats.org/officeDocument/2006/math" xmlns="" val="1"/>
+              <ma14:wrappingTextBoxFlag xmlns="" xmlns:m="http://schemas.openxmlformats.org/officeDocument/2006/math" xmlns:a14="http://schemas.microsoft.com/office/drawing/2010/main" xmlns:ma14="http://schemas.microsoft.com/office/mac/drawingml/2011/main" val="1"/>
             </a:ext>
           </a:extLst>
         </p:spPr>
@@ -9956,7 +10448,7 @@
 </file>
 
 <file path=ppt/slides/slide9.xml><?xml version="1.0" encoding="utf-8"?>
-<p:sld xmlns:a="http://schemas.openxmlformats.org/drawingml/2006/main" xmlns:r="http://schemas.openxmlformats.org/officeDocument/2006/relationships" xmlns:p="http://schemas.openxmlformats.org/presentationml/2006/main">
+<p:sld xmlns:a="http://schemas.openxmlformats.org/drawingml/2006/main" xmlns:r="http://schemas.openxmlformats.org/officeDocument/2006/relationships" xmlns:p="http://schemas.openxmlformats.org/presentationml/2006/main" show="0">
   <p:cSld>
     <p:spTree>
       <p:nvGrpSpPr>
@@ -10156,21 +10648,8 @@
             </a:r>
             <a:r>
               <a:rPr lang="zh-TW" altLang="en-US" dirty="0"/>
-              <a:t>當主詞，不過這通常</a:t>
-            </a:r>
-            <a:r>
-              <a:rPr lang="zh-TW" altLang="en-US" dirty="0"/>
-              <a:t>是為了</a:t>
-            </a:r>
-            <a:r>
-              <a:rPr lang="zh-TW" altLang="en-US" dirty="0"/>
-              <a:t>強調作者在實驗中的角色</a:t>
-            </a:r>
-            <a:r>
-              <a:rPr lang="zh-TW" altLang="en-US" dirty="0"/>
-              <a:t>。</a:t>
-            </a:r>
-            <a:endParaRPr lang="zh-TW" altLang="en-US" dirty="0"/>
+              <a:t>當主詞，不過這通常是為了強調作者在實驗中的角色。</a:t>
+            </a:r>
           </a:p>
           <a:p>
             <a:pPr marL="0" indent="0">

--- a/tech/report/ch15方法章節.pptx
+++ b/tech/report/ch15方法章節.pptx
@@ -2100,7 +2100,7 @@
               <a:effectLst/>
               <a:extLst>
                 <a:ext uri="{C572A759-6A51-4108-AA02-DFA0A04FC94B}">
-                  <ma14:wrappingTextBoxFlag xmlns="" xmlns:m="http://schemas.openxmlformats.org/officeDocument/2006/math" xmlns:a14="http://schemas.microsoft.com/office/drawing/2010/main" xmlns:ma14="http://schemas.microsoft.com/office/mac/drawingml/2011/main" val="1"/>
+                  <ma14:wrappingTextBoxFlag xmlns:ma14="http://schemas.microsoft.com/office/mac/drawingml/2011/main" xmlns:a14="http://schemas.microsoft.com/office/drawing/2010/main" xmlns:m="http://schemas.openxmlformats.org/officeDocument/2006/math" xmlns="" val="1"/>
                 </a:ext>
               </a:extLst>
             </p:spPr>
@@ -2174,7 +2174,7 @@
               <a:effectLst/>
               <a:extLst>
                 <a:ext uri="{C572A759-6A51-4108-AA02-DFA0A04FC94B}">
-                  <ma14:wrappingTextBoxFlag xmlns="" xmlns:m="http://schemas.openxmlformats.org/officeDocument/2006/math" xmlns:a14="http://schemas.microsoft.com/office/drawing/2010/main" xmlns:ma14="http://schemas.microsoft.com/office/mac/drawingml/2011/main" val="1"/>
+                  <ma14:wrappingTextBoxFlag xmlns:ma14="http://schemas.microsoft.com/office/mac/drawingml/2011/main" xmlns:a14="http://schemas.microsoft.com/office/drawing/2010/main" xmlns:m="http://schemas.openxmlformats.org/officeDocument/2006/math" xmlns="" val="1"/>
                 </a:ext>
               </a:extLst>
             </p:spPr>
@@ -2532,7 +2532,7 @@
               <a:effectLst/>
               <a:extLst>
                 <a:ext uri="{C572A759-6A51-4108-AA02-DFA0A04FC94B}">
-                  <ma14:wrappingTextBoxFlag xmlns="" xmlns:m="http://schemas.openxmlformats.org/officeDocument/2006/math" xmlns:a14="http://schemas.microsoft.com/office/drawing/2010/main" xmlns:ma14="http://schemas.microsoft.com/office/mac/drawingml/2011/main" val="1"/>
+                  <ma14:wrappingTextBoxFlag xmlns:ma14="http://schemas.microsoft.com/office/mac/drawingml/2011/main" xmlns:a14="http://schemas.microsoft.com/office/drawing/2010/main" xmlns:m="http://schemas.openxmlformats.org/officeDocument/2006/math" xmlns="" val="1"/>
                 </a:ext>
               </a:extLst>
             </p:spPr>
@@ -2602,7 +2602,7 @@
               <a:effectLst/>
               <a:extLst>
                 <a:ext uri="{C572A759-6A51-4108-AA02-DFA0A04FC94B}">
-                  <ma14:wrappingTextBoxFlag xmlns="" xmlns:m="http://schemas.openxmlformats.org/officeDocument/2006/math" xmlns:a14="http://schemas.microsoft.com/office/drawing/2010/main" xmlns:ma14="http://schemas.microsoft.com/office/mac/drawingml/2011/main" val="1"/>
+                  <ma14:wrappingTextBoxFlag xmlns:ma14="http://schemas.microsoft.com/office/mac/drawingml/2011/main" xmlns:a14="http://schemas.microsoft.com/office/drawing/2010/main" xmlns:m="http://schemas.openxmlformats.org/officeDocument/2006/math" xmlns="" val="1"/>
                 </a:ext>
               </a:extLst>
             </p:spPr>
@@ -3260,7 +3260,7 @@
               <a:effectLst/>
               <a:extLst>
                 <a:ext uri="{C572A759-6A51-4108-AA02-DFA0A04FC94B}">
-                  <ma14:wrappingTextBoxFlag xmlns="" xmlns:m="http://schemas.openxmlformats.org/officeDocument/2006/math" xmlns:a14="http://schemas.microsoft.com/office/drawing/2010/main" xmlns:ma14="http://schemas.microsoft.com/office/mac/drawingml/2011/main" val="1"/>
+                  <ma14:wrappingTextBoxFlag xmlns:ma14="http://schemas.microsoft.com/office/mac/drawingml/2011/main" xmlns:a14="http://schemas.microsoft.com/office/drawing/2010/main" xmlns:m="http://schemas.openxmlformats.org/officeDocument/2006/math" xmlns="" val="1"/>
                 </a:ext>
               </a:extLst>
             </p:spPr>
@@ -3334,7 +3334,7 @@
               <a:effectLst/>
               <a:extLst>
                 <a:ext uri="{C572A759-6A51-4108-AA02-DFA0A04FC94B}">
-                  <ma14:wrappingTextBoxFlag xmlns="" xmlns:m="http://schemas.openxmlformats.org/officeDocument/2006/math" xmlns:a14="http://schemas.microsoft.com/office/drawing/2010/main" xmlns:ma14="http://schemas.microsoft.com/office/mac/drawingml/2011/main" val="1"/>
+                  <ma14:wrappingTextBoxFlag xmlns:ma14="http://schemas.microsoft.com/office/mac/drawingml/2011/main" xmlns:a14="http://schemas.microsoft.com/office/drawing/2010/main" xmlns:m="http://schemas.openxmlformats.org/officeDocument/2006/math" xmlns="" val="1"/>
                 </a:ext>
               </a:extLst>
             </p:spPr>
@@ -3708,7 +3708,7 @@
               <a:effectLst/>
               <a:extLst>
                 <a:ext uri="{C572A759-6A51-4108-AA02-DFA0A04FC94B}">
-                  <ma14:wrappingTextBoxFlag xmlns="" xmlns:m="http://schemas.openxmlformats.org/officeDocument/2006/math" xmlns:a14="http://schemas.microsoft.com/office/drawing/2010/main" xmlns:ma14="http://schemas.microsoft.com/office/mac/drawingml/2011/main" val="1"/>
+                  <ma14:wrappingTextBoxFlag xmlns:ma14="http://schemas.microsoft.com/office/mac/drawingml/2011/main" xmlns:a14="http://schemas.microsoft.com/office/drawing/2010/main" xmlns:m="http://schemas.openxmlformats.org/officeDocument/2006/math" xmlns="" val="1"/>
                 </a:ext>
               </a:extLst>
             </p:spPr>
@@ -3782,7 +3782,7 @@
               <a:effectLst/>
               <a:extLst>
                 <a:ext uri="{C572A759-6A51-4108-AA02-DFA0A04FC94B}">
-                  <ma14:wrappingTextBoxFlag xmlns="" xmlns:m="http://schemas.openxmlformats.org/officeDocument/2006/math" xmlns:a14="http://schemas.microsoft.com/office/drawing/2010/main" xmlns:ma14="http://schemas.microsoft.com/office/mac/drawingml/2011/main" val="1"/>
+                  <ma14:wrappingTextBoxFlag xmlns:ma14="http://schemas.microsoft.com/office/mac/drawingml/2011/main" xmlns:a14="http://schemas.microsoft.com/office/drawing/2010/main" xmlns:m="http://schemas.openxmlformats.org/officeDocument/2006/math" xmlns="" val="1"/>
                 </a:ext>
               </a:extLst>
             </p:spPr>
@@ -4174,7 +4174,7 @@
               <a:effectLst/>
               <a:extLst>
                 <a:ext uri="{C572A759-6A51-4108-AA02-DFA0A04FC94B}">
-                  <ma14:wrappingTextBoxFlag xmlns="" xmlns:m="http://schemas.openxmlformats.org/officeDocument/2006/math" xmlns:a14="http://schemas.microsoft.com/office/drawing/2010/main" xmlns:ma14="http://schemas.microsoft.com/office/mac/drawingml/2011/main" val="1"/>
+                  <ma14:wrappingTextBoxFlag xmlns:ma14="http://schemas.microsoft.com/office/mac/drawingml/2011/main" xmlns:a14="http://schemas.microsoft.com/office/drawing/2010/main" xmlns:m="http://schemas.openxmlformats.org/officeDocument/2006/math" xmlns="" val="1"/>
                 </a:ext>
               </a:extLst>
             </p:spPr>
@@ -4248,7 +4248,7 @@
               <a:effectLst/>
               <a:extLst>
                 <a:ext uri="{C572A759-6A51-4108-AA02-DFA0A04FC94B}">
-                  <ma14:wrappingTextBoxFlag xmlns="" xmlns:m="http://schemas.openxmlformats.org/officeDocument/2006/math" xmlns:a14="http://schemas.microsoft.com/office/drawing/2010/main" xmlns:ma14="http://schemas.microsoft.com/office/mac/drawingml/2011/main" val="1"/>
+                  <ma14:wrappingTextBoxFlag xmlns:ma14="http://schemas.microsoft.com/office/mac/drawingml/2011/main" xmlns:a14="http://schemas.microsoft.com/office/drawing/2010/main" xmlns:m="http://schemas.openxmlformats.org/officeDocument/2006/math" xmlns="" val="1"/>
                 </a:ext>
               </a:extLst>
             </p:spPr>
@@ -4466,7 +4466,7 @@
           </a:ln>
           <a:extLst>
             <a:ext uri="{C572A759-6A51-4108-AA02-DFA0A04FC94B}">
-              <ma14:wrappingTextBoxFlag xmlns="" xmlns:m="http://schemas.openxmlformats.org/officeDocument/2006/math" xmlns:a14="http://schemas.microsoft.com/office/drawing/2010/main" xmlns:ma14="http://schemas.microsoft.com/office/mac/drawingml/2011/main" val="1"/>
+              <ma14:wrappingTextBoxFlag xmlns:ma14="http://schemas.microsoft.com/office/mac/drawingml/2011/main" xmlns:a14="http://schemas.microsoft.com/office/drawing/2010/main" xmlns:m="http://schemas.openxmlformats.org/officeDocument/2006/math" xmlns="" val="1"/>
             </a:ext>
           </a:extLst>
         </p:spPr>
@@ -4505,7 +4505,7 @@
           </a:ln>
           <a:extLst>
             <a:ext uri="{C572A759-6A51-4108-AA02-DFA0A04FC94B}">
-              <ma14:wrappingTextBoxFlag xmlns="" xmlns:m="http://schemas.openxmlformats.org/officeDocument/2006/math" xmlns:a14="http://schemas.microsoft.com/office/drawing/2010/main" xmlns:ma14="http://schemas.microsoft.com/office/mac/drawingml/2011/main" val="1"/>
+              <ma14:wrappingTextBoxFlag xmlns:ma14="http://schemas.microsoft.com/office/mac/drawingml/2011/main" xmlns:a14="http://schemas.microsoft.com/office/drawing/2010/main" xmlns:m="http://schemas.openxmlformats.org/officeDocument/2006/math" xmlns="" val="1"/>
             </a:ext>
           </a:extLst>
         </p:spPr>
@@ -5438,7 +5438,7 @@
           </a:ln>
           <a:extLst>
             <a:ext uri="{C572A759-6A51-4108-AA02-DFA0A04FC94B}">
-              <ma14:wrappingTextBoxFlag xmlns="" xmlns:m="http://schemas.openxmlformats.org/officeDocument/2006/math" xmlns:a14="http://schemas.microsoft.com/office/drawing/2010/main" xmlns:ma14="http://schemas.microsoft.com/office/mac/drawingml/2011/main" val="1"/>
+              <ma14:wrappingTextBoxFlag xmlns:ma14="http://schemas.microsoft.com/office/mac/drawingml/2011/main" xmlns:a14="http://schemas.microsoft.com/office/drawing/2010/main" xmlns:m="http://schemas.openxmlformats.org/officeDocument/2006/math" xmlns="" val="1"/>
             </a:ext>
           </a:extLst>
         </p:spPr>
@@ -5485,7 +5485,7 @@
           </a:ln>
           <a:extLst>
             <a:ext uri="{C572A759-6A51-4108-AA02-DFA0A04FC94B}">
-              <ma14:wrappingTextBoxFlag xmlns="" xmlns:m="http://schemas.openxmlformats.org/officeDocument/2006/math" xmlns:a14="http://schemas.microsoft.com/office/drawing/2010/main" xmlns:ma14="http://schemas.microsoft.com/office/mac/drawingml/2011/main" val="1"/>
+              <ma14:wrappingTextBoxFlag xmlns:ma14="http://schemas.microsoft.com/office/mac/drawingml/2011/main" xmlns:a14="http://schemas.microsoft.com/office/drawing/2010/main" xmlns:m="http://schemas.openxmlformats.org/officeDocument/2006/math" xmlns="" val="1"/>
             </a:ext>
           </a:extLst>
         </p:spPr>
@@ -5532,7 +5532,7 @@
           </a:ln>
           <a:extLst>
             <a:ext uri="{C572A759-6A51-4108-AA02-DFA0A04FC94B}">
-              <ma14:wrappingTextBoxFlag xmlns="" xmlns:m="http://schemas.openxmlformats.org/officeDocument/2006/math" xmlns:a14="http://schemas.microsoft.com/office/drawing/2010/main" xmlns:ma14="http://schemas.microsoft.com/office/mac/drawingml/2011/main" val="1"/>
+              <ma14:wrappingTextBoxFlag xmlns:ma14="http://schemas.microsoft.com/office/mac/drawingml/2011/main" xmlns:a14="http://schemas.microsoft.com/office/drawing/2010/main" xmlns:m="http://schemas.openxmlformats.org/officeDocument/2006/math" xmlns="" val="1"/>
             </a:ext>
           </a:extLst>
         </p:spPr>
@@ -5579,7 +5579,7 @@
           </a:ln>
           <a:extLst>
             <a:ext uri="{C572A759-6A51-4108-AA02-DFA0A04FC94B}">
-              <ma14:wrappingTextBoxFlag xmlns="" xmlns:m="http://schemas.openxmlformats.org/officeDocument/2006/math" xmlns:a14="http://schemas.microsoft.com/office/drawing/2010/main" xmlns:ma14="http://schemas.microsoft.com/office/mac/drawingml/2011/main" val="1"/>
+              <ma14:wrappingTextBoxFlag xmlns:ma14="http://schemas.microsoft.com/office/mac/drawingml/2011/main" xmlns:a14="http://schemas.microsoft.com/office/drawing/2010/main" xmlns:m="http://schemas.openxmlformats.org/officeDocument/2006/math" xmlns="" val="1"/>
             </a:ext>
           </a:extLst>
         </p:spPr>
@@ -5661,7 +5661,7 @@
           </a:ln>
           <a:extLst>
             <a:ext uri="{C572A759-6A51-4108-AA02-DFA0A04FC94B}">
-              <ma14:wrappingTextBoxFlag xmlns="" xmlns:m="http://schemas.openxmlformats.org/officeDocument/2006/math" xmlns:a14="http://schemas.microsoft.com/office/drawing/2010/main" xmlns:ma14="http://schemas.microsoft.com/office/mac/drawingml/2011/main" val="1"/>
+              <ma14:wrappingTextBoxFlag xmlns:ma14="http://schemas.microsoft.com/office/mac/drawingml/2011/main" xmlns:a14="http://schemas.microsoft.com/office/drawing/2010/main" xmlns:m="http://schemas.openxmlformats.org/officeDocument/2006/math" xmlns="" val="1"/>
             </a:ext>
           </a:extLst>
         </p:spPr>
@@ -5979,7 +5979,7 @@
     <a:masterClrMapping/>
   </p:clrMapOvr>
   <mc:AlternateContent xmlns:mc="http://schemas.openxmlformats.org/markup-compatibility/2006">
-    <mc:Choice xmlns:p159="http://schemas.microsoft.com/office/powerpoint/2015/09/main" xmlns="" Requires="p159">
+    <mc:Choice xmlns="" xmlns:p159="http://schemas.microsoft.com/office/powerpoint/2015/09/main" Requires="p159">
       <p:transition xmlns:p14="http://schemas.microsoft.com/office/powerpoint/2010/main" spd="slow" p14:dur="2000">
         <p159:morph option="byObject"/>
       </p:transition>
@@ -6380,7 +6380,6 @@
               <a:rPr lang="zh-TW" altLang="en-US" sz="4000" b="0" dirty="0"/>
               <a:t>下面的例句使用了過去式，所以讀者能夠知道作者的設備是為了實驗而特別設計的。</a:t>
             </a:r>
-            <a:endParaRPr lang="zh-TW" altLang="en-US" sz="4000" b="0" dirty="0"/>
           </a:p>
         </p:txBody>
       </p:sp>
@@ -7156,7 +7155,7 @@
           </a:prstGeom>
           <a:extLst>
             <a:ext uri="{C572A759-6A51-4108-AA02-DFA0A04FC94B}">
-              <ma14:wrappingTextBoxFlag xmlns="" xmlns:m="http://schemas.openxmlformats.org/officeDocument/2006/math" xmlns:a14="http://schemas.microsoft.com/office/drawing/2010/main" xmlns:ma14="http://schemas.microsoft.com/office/mac/drawingml/2011/main" val="1"/>
+              <ma14:wrappingTextBoxFlag xmlns:ma14="http://schemas.microsoft.com/office/mac/drawingml/2011/main" xmlns:a14="http://schemas.microsoft.com/office/drawing/2010/main" xmlns:m="http://schemas.openxmlformats.org/officeDocument/2006/math" xmlns="" val="1"/>
             </a:ext>
           </a:extLst>
         </p:spPr>
@@ -7280,7 +7279,7 @@
           </a:ln>
           <a:extLst>
             <a:ext uri="{C572A759-6A51-4108-AA02-DFA0A04FC94B}">
-              <ma14:wrappingTextBoxFlag xmlns="" xmlns:m="http://schemas.openxmlformats.org/officeDocument/2006/math" xmlns:a14="http://schemas.microsoft.com/office/drawing/2010/main" xmlns:ma14="http://schemas.microsoft.com/office/mac/drawingml/2011/main" val="1"/>
+              <ma14:wrappingTextBoxFlag xmlns:ma14="http://schemas.microsoft.com/office/mac/drawingml/2011/main" xmlns:a14="http://schemas.microsoft.com/office/drawing/2010/main" xmlns:m="http://schemas.openxmlformats.org/officeDocument/2006/math" xmlns="" val="1"/>
             </a:ext>
           </a:extLst>
         </p:spPr>
@@ -9627,7 +9626,7 @@
           </a:ln>
           <a:extLst>
             <a:ext uri="{C572A759-6A51-4108-AA02-DFA0A04FC94B}">
-              <ma14:wrappingTextBoxFlag xmlns="" xmlns:m="http://schemas.openxmlformats.org/officeDocument/2006/math" xmlns:a14="http://schemas.microsoft.com/office/drawing/2010/main" xmlns:ma14="http://schemas.microsoft.com/office/mac/drawingml/2011/main" val="1"/>
+              <ma14:wrappingTextBoxFlag xmlns:ma14="http://schemas.microsoft.com/office/mac/drawingml/2011/main" xmlns:a14="http://schemas.microsoft.com/office/drawing/2010/main" xmlns:m="http://schemas.openxmlformats.org/officeDocument/2006/math" xmlns="" val="1"/>
             </a:ext>
           </a:extLst>
         </p:spPr>
@@ -9976,7 +9975,7 @@
           </a:ln>
           <a:extLst>
             <a:ext uri="{C572A759-6A51-4108-AA02-DFA0A04FC94B}">
-              <ma14:wrappingTextBoxFlag xmlns="" xmlns:m="http://schemas.openxmlformats.org/officeDocument/2006/math" xmlns:a14="http://schemas.microsoft.com/office/drawing/2010/main" xmlns:ma14="http://schemas.microsoft.com/office/mac/drawingml/2011/main" val="1"/>
+              <ma14:wrappingTextBoxFlag xmlns:ma14="http://schemas.microsoft.com/office/mac/drawingml/2011/main" xmlns:a14="http://schemas.microsoft.com/office/drawing/2010/main" xmlns:m="http://schemas.openxmlformats.org/officeDocument/2006/math" xmlns="" val="1"/>
             </a:ext>
           </a:extLst>
         </p:spPr>
@@ -10430,6 +10429,160 @@
               <a:t>7</a:t>
             </a:fld>
             <a:endParaRPr lang="zh-TW" altLang="en-US" dirty="0"/>
+          </a:p>
+        </p:txBody>
+      </p:sp>
+      <p:sp>
+        <p:nvSpPr>
+          <p:cNvPr id="5" name="矩形 4"/>
+          <p:cNvSpPr/>
+          <p:nvPr/>
+        </p:nvSpPr>
+        <p:spPr>
+          <a:xfrm>
+            <a:off x="1266826" y="6907696"/>
+            <a:ext cx="16614774" cy="1938992"/>
+          </a:xfrm>
+          <a:prstGeom prst="rect">
+            <a:avLst/>
+          </a:prstGeom>
+        </p:spPr>
+        <p:txBody>
+          <a:bodyPr wrap="square">
+            <a:spAutoFit/>
+          </a:bodyPr>
+          <a:lstStyle/>
+          <a:p>
+            <a:pPr algn="l"/>
+            <a:r>
+              <a:rPr lang="en-US" altLang="zh-TW" sz="4000" b="0" dirty="0" smtClean="0"/>
+              <a:t>For the second trial, the apparatus was covered by a sheet of plastic. It </a:t>
+            </a:r>
+            <a:r>
+              <a:rPr lang="en-US" altLang="zh-TW" sz="4000" i="1" dirty="0" smtClean="0"/>
+              <a:t>was believed  </a:t>
+            </a:r>
+            <a:r>
+              <a:rPr lang="en-US" altLang="zh-TW" sz="4000" b="0" dirty="0" smtClean="0"/>
+              <a:t>that this modification would reduce the amount of scattering.</a:t>
+            </a:r>
+            <a:endParaRPr lang="zh-TW" altLang="en-US" sz="4000" b="0" dirty="0"/>
+          </a:p>
+        </p:txBody>
+      </p:sp>
+      <p:sp>
+        <p:nvSpPr>
+          <p:cNvPr id="6" name="矩形 5"/>
+          <p:cNvSpPr/>
+          <p:nvPr/>
+        </p:nvSpPr>
+        <p:spPr>
+          <a:xfrm>
+            <a:off x="1266824" y="6101961"/>
+            <a:ext cx="697627" cy="707886"/>
+          </a:xfrm>
+          <a:prstGeom prst="rect">
+            <a:avLst/>
+          </a:prstGeom>
+        </p:spPr>
+        <p:txBody>
+          <a:bodyPr wrap="none">
+            <a:spAutoFit/>
+          </a:bodyPr>
+          <a:lstStyle/>
+          <a:p>
+            <a:r>
+              <a:rPr lang="zh-TW" altLang="en-US" sz="4000" dirty="0" smtClean="0">
+                <a:solidFill>
+                  <a:srgbClr val="FF0000"/>
+                </a:solidFill>
+              </a:rPr>
+              <a:t>劣</a:t>
+            </a:r>
+            <a:endParaRPr lang="zh-TW" altLang="en-US" dirty="0">
+              <a:solidFill>
+                <a:srgbClr val="FF0000"/>
+              </a:solidFill>
+            </a:endParaRPr>
+          </a:p>
+        </p:txBody>
+      </p:sp>
+      <p:sp>
+        <p:nvSpPr>
+          <p:cNvPr id="7" name="矩形 6"/>
+          <p:cNvSpPr/>
+          <p:nvPr/>
+        </p:nvSpPr>
+        <p:spPr>
+          <a:xfrm>
+            <a:off x="1266824" y="9822471"/>
+            <a:ext cx="16614774" cy="1938992"/>
+          </a:xfrm>
+          <a:prstGeom prst="rect">
+            <a:avLst/>
+          </a:prstGeom>
+        </p:spPr>
+        <p:txBody>
+          <a:bodyPr wrap="square">
+            <a:spAutoFit/>
+          </a:bodyPr>
+          <a:lstStyle/>
+          <a:p>
+            <a:pPr algn="l"/>
+            <a:r>
+              <a:rPr lang="en-US" altLang="zh-TW" sz="4000" b="0" dirty="0" smtClean="0"/>
+              <a:t>For the second trial, the apparatus was covered by a sheet of plastic. </a:t>
+            </a:r>
+            <a:r>
+              <a:rPr lang="en-US" altLang="zh-TW" sz="4000" i="1" dirty="0" smtClean="0"/>
+              <a:t>We </a:t>
+            </a:r>
+            <a:r>
+              <a:rPr lang="en-US" altLang="zh-TW" sz="4000" i="1" dirty="0" smtClean="0"/>
+              <a:t>believed  </a:t>
+            </a:r>
+            <a:r>
+              <a:rPr lang="en-US" altLang="zh-TW" sz="4000" b="0" dirty="0" smtClean="0"/>
+              <a:t>this modification would reduce the amount of scattering.</a:t>
+            </a:r>
+            <a:endParaRPr lang="zh-TW" altLang="en-US" sz="4000" b="0" dirty="0"/>
+          </a:p>
+        </p:txBody>
+      </p:sp>
+      <p:sp>
+        <p:nvSpPr>
+          <p:cNvPr id="8" name="矩形 7"/>
+          <p:cNvSpPr/>
+          <p:nvPr/>
+        </p:nvSpPr>
+        <p:spPr>
+          <a:xfrm>
+            <a:off x="1266823" y="9016736"/>
+            <a:ext cx="697627" cy="707886"/>
+          </a:xfrm>
+          <a:prstGeom prst="rect">
+            <a:avLst/>
+          </a:prstGeom>
+        </p:spPr>
+        <p:txBody>
+          <a:bodyPr wrap="none">
+            <a:spAutoFit/>
+          </a:bodyPr>
+          <a:lstStyle/>
+          <a:p>
+            <a:r>
+              <a:rPr lang="zh-TW" altLang="en-US" sz="4000" dirty="0">
+                <a:solidFill>
+                  <a:srgbClr val="FF0000"/>
+                </a:solidFill>
+              </a:rPr>
+              <a:t>優</a:t>
+            </a:r>
+            <a:endParaRPr lang="zh-TW" altLang="en-US" dirty="0">
+              <a:solidFill>
+                <a:srgbClr val="FF0000"/>
+              </a:solidFill>
+            </a:endParaRPr>
           </a:p>
         </p:txBody>
       </p:sp>

--- a/tech/report/ch15方法章節.pptx
+++ b/tech/report/ch15方法章節.pptx
@@ -420,7 +420,7 @@
           <a:p>
             <a:fld id="{F550CF06-8FC7-4608-9AE5-384E68A55A9B}" type="datetimeFigureOut">
               <a:rPr lang="zh-TW" altLang="en-US" smtClean="0"/>
-              <a:t>2020/6/13</a:t>
+              <a:t>2020/6/15</a:t>
             </a:fld>
             <a:endParaRPr lang="zh-TW" altLang="en-US"/>
           </a:p>
@@ -793,7 +793,18 @@
           <a:p>
             <a:r>
               <a:rPr lang="zh-TW" altLang="en-US" dirty="0" smtClean="0"/>
-              <a:t>方法章節必須將作者的實驗程序說明既清楚又詳細，以便讓其他學者能按照這一過程重複作者的實驗。</a:t>
+              <a:t>方法章節必須將作者的實驗程序說明既清楚又詳細，以便讓其他學者能按照這一過程重複作者的實驗</a:t>
+            </a:r>
+            <a:r>
+              <a:rPr lang="zh-TW" altLang="en-US" dirty="0" smtClean="0"/>
+              <a:t>。</a:t>
+            </a:r>
+            <a:endParaRPr lang="en-US" altLang="zh-TW" dirty="0" smtClean="0"/>
+          </a:p>
+          <a:p>
+            <a:r>
+              <a:rPr lang="zh-TW" altLang="en-US" dirty="0" smtClean="0"/>
+              <a:t>這邊列舉了八項</a:t>
             </a:r>
             <a:endParaRPr lang="en-US" dirty="0"/>
           </a:p>
@@ -986,8 +997,23 @@
           <a:p>
             <a:r>
               <a:rPr lang="zh-TW" altLang="en-US" dirty="0" smtClean="0"/>
-              <a:t>指論文本身的內容</a:t>
-            </a:r>
+              <a:t>指論文本身的</a:t>
+            </a:r>
+            <a:r>
+              <a:rPr lang="zh-TW" altLang="en-US" dirty="0" smtClean="0"/>
+              <a:t>內容</a:t>
+            </a:r>
+            <a:endParaRPr lang="en-US" altLang="zh-TW" dirty="0" smtClean="0"/>
+          </a:p>
+          <a:p>
+            <a:endParaRPr lang="en-US" altLang="zh-TW" dirty="0" smtClean="0"/>
+          </a:p>
+          <a:p>
+            <a:r>
+              <a:rPr lang="zh-TW" altLang="zh-TW" dirty="0" smtClean="0"/>
+              <a:t>對照組和“過多” 2個壓痕組的測試如圖3所示</a:t>
+            </a:r>
+            <a:endParaRPr lang="zh-TW" altLang="en-US" dirty="0" smtClean="0"/>
           </a:p>
           <a:p>
             <a:endParaRPr lang="zh-TW" altLang="en-US" dirty="0"/>
@@ -1008,6 +1034,84 @@
 </file>
 
 <file path=ppt/notesSlides/notesSlide5.xml><?xml version="1.0" encoding="utf-8"?>
+<p:notes xmlns:a="http://schemas.openxmlformats.org/drawingml/2006/main" xmlns:r="http://schemas.openxmlformats.org/officeDocument/2006/relationships" xmlns:p="http://schemas.openxmlformats.org/presentationml/2006/main">
+  <p:cSld>
+    <p:spTree>
+      <p:nvGrpSpPr>
+        <p:cNvPr id="1" name=""/>
+        <p:cNvGrpSpPr/>
+        <p:nvPr/>
+      </p:nvGrpSpPr>
+      <p:grpSpPr>
+        <a:xfrm>
+          <a:off x="0" y="0"/>
+          <a:ext cx="0" cy="0"/>
+          <a:chOff x="0" y="0"/>
+          <a:chExt cx="0" cy="0"/>
+        </a:xfrm>
+      </p:grpSpPr>
+      <p:sp>
+        <p:nvSpPr>
+          <p:cNvPr id="2" name="投影片圖像版面配置區 1"/>
+          <p:cNvSpPr>
+            <a:spLocks noGrp="1" noRot="1" noChangeAspect="1"/>
+          </p:cNvSpPr>
+          <p:nvPr>
+            <p:ph type="sldImg"/>
+          </p:nvPr>
+        </p:nvSpPr>
+        <p:spPr/>
+      </p:sp>
+      <p:sp>
+        <p:nvSpPr>
+          <p:cNvPr id="3" name="備忘稿版面配置區 2"/>
+          <p:cNvSpPr>
+            <a:spLocks noGrp="1"/>
+          </p:cNvSpPr>
+          <p:nvPr>
+            <p:ph type="body" idx="1"/>
+          </p:nvPr>
+        </p:nvSpPr>
+        <p:spPr/>
+        <p:txBody>
+          <a:bodyPr/>
+          <a:lstStyle/>
+          <a:p>
+            <a:r>
+              <a:rPr lang="zh-TW" altLang="en-US" dirty="0" smtClean="0"/>
+              <a:t/>
+            </a:r>
+            <a:br>
+              <a:rPr lang="zh-TW" altLang="en-US" dirty="0" smtClean="0"/>
+            </a:br>
+            <a:r>
+              <a:rPr lang="zh-TW" altLang="en-US" sz="2200" b="0" i="0" dirty="0" smtClean="0">
+                <a:effectLst/>
+                <a:latin typeface="Helvetica Neue"/>
+                <a:ea typeface="Helvetica Neue"/>
+                <a:cs typeface="Helvetica Neue"/>
+                <a:sym typeface="Helvetica Neue"/>
+              </a:rPr>
+              <a:t>對於第二次試驗，該設備用一片塑料覆蓋。我們相信這種修改將減少散射量。</a:t>
+            </a:r>
+            <a:endParaRPr lang="zh-TW" altLang="en-US" dirty="0"/>
+          </a:p>
+        </p:txBody>
+      </p:sp>
+    </p:spTree>
+    <p:extLst>
+      <p:ext uri="{BB962C8B-B14F-4D97-AF65-F5344CB8AC3E}">
+        <p14:creationId xmlns:p14="http://schemas.microsoft.com/office/powerpoint/2010/main" val="1968633758"/>
+      </p:ext>
+    </p:extLst>
+  </p:cSld>
+  <p:clrMapOvr>
+    <a:masterClrMapping/>
+  </p:clrMapOvr>
+</p:notes>
+</file>
+
+<file path=ppt/notesSlides/notesSlide6.xml><?xml version="1.0" encoding="utf-8"?>
 <p:notes xmlns:a="http://schemas.openxmlformats.org/drawingml/2006/main" xmlns:r="http://schemas.openxmlformats.org/officeDocument/2006/relationships" xmlns:p="http://schemas.openxmlformats.org/presentationml/2006/main">
   <p:cSld>
     <p:spTree>
@@ -2100,7 +2204,7 @@
               <a:effectLst/>
               <a:extLst>
                 <a:ext uri="{C572A759-6A51-4108-AA02-DFA0A04FC94B}">
-                  <ma14:wrappingTextBoxFlag xmlns:ma14="http://schemas.microsoft.com/office/mac/drawingml/2011/main" xmlns:a14="http://schemas.microsoft.com/office/drawing/2010/main" xmlns:m="http://schemas.openxmlformats.org/officeDocument/2006/math" xmlns="" val="1"/>
+                  <ma14:wrappingTextBoxFlag xmlns="" xmlns:m="http://schemas.openxmlformats.org/officeDocument/2006/math" xmlns:a14="http://schemas.microsoft.com/office/drawing/2010/main" xmlns:ma14="http://schemas.microsoft.com/office/mac/drawingml/2011/main" val="1"/>
                 </a:ext>
               </a:extLst>
             </p:spPr>
@@ -2174,7 +2278,7 @@
               <a:effectLst/>
               <a:extLst>
                 <a:ext uri="{C572A759-6A51-4108-AA02-DFA0A04FC94B}">
-                  <ma14:wrappingTextBoxFlag xmlns:ma14="http://schemas.microsoft.com/office/mac/drawingml/2011/main" xmlns:a14="http://schemas.microsoft.com/office/drawing/2010/main" xmlns:m="http://schemas.openxmlformats.org/officeDocument/2006/math" xmlns="" val="1"/>
+                  <ma14:wrappingTextBoxFlag xmlns="" xmlns:m="http://schemas.openxmlformats.org/officeDocument/2006/math" xmlns:a14="http://schemas.microsoft.com/office/drawing/2010/main" xmlns:ma14="http://schemas.microsoft.com/office/mac/drawingml/2011/main" val="1"/>
                 </a:ext>
               </a:extLst>
             </p:spPr>
@@ -2532,7 +2636,7 @@
               <a:effectLst/>
               <a:extLst>
                 <a:ext uri="{C572A759-6A51-4108-AA02-DFA0A04FC94B}">
-                  <ma14:wrappingTextBoxFlag xmlns:ma14="http://schemas.microsoft.com/office/mac/drawingml/2011/main" xmlns:a14="http://schemas.microsoft.com/office/drawing/2010/main" xmlns:m="http://schemas.openxmlformats.org/officeDocument/2006/math" xmlns="" val="1"/>
+                  <ma14:wrappingTextBoxFlag xmlns="" xmlns:m="http://schemas.openxmlformats.org/officeDocument/2006/math" xmlns:a14="http://schemas.microsoft.com/office/drawing/2010/main" xmlns:ma14="http://schemas.microsoft.com/office/mac/drawingml/2011/main" val="1"/>
                 </a:ext>
               </a:extLst>
             </p:spPr>
@@ -2602,7 +2706,7 @@
               <a:effectLst/>
               <a:extLst>
                 <a:ext uri="{C572A759-6A51-4108-AA02-DFA0A04FC94B}">
-                  <ma14:wrappingTextBoxFlag xmlns:ma14="http://schemas.microsoft.com/office/mac/drawingml/2011/main" xmlns:a14="http://schemas.microsoft.com/office/drawing/2010/main" xmlns:m="http://schemas.openxmlformats.org/officeDocument/2006/math" xmlns="" val="1"/>
+                  <ma14:wrappingTextBoxFlag xmlns="" xmlns:m="http://schemas.openxmlformats.org/officeDocument/2006/math" xmlns:a14="http://schemas.microsoft.com/office/drawing/2010/main" xmlns:ma14="http://schemas.microsoft.com/office/mac/drawingml/2011/main" val="1"/>
                 </a:ext>
               </a:extLst>
             </p:spPr>
@@ -3260,7 +3364,7 @@
               <a:effectLst/>
               <a:extLst>
                 <a:ext uri="{C572A759-6A51-4108-AA02-DFA0A04FC94B}">
-                  <ma14:wrappingTextBoxFlag xmlns:ma14="http://schemas.microsoft.com/office/mac/drawingml/2011/main" xmlns:a14="http://schemas.microsoft.com/office/drawing/2010/main" xmlns:m="http://schemas.openxmlformats.org/officeDocument/2006/math" xmlns="" val="1"/>
+                  <ma14:wrappingTextBoxFlag xmlns="" xmlns:m="http://schemas.openxmlformats.org/officeDocument/2006/math" xmlns:a14="http://schemas.microsoft.com/office/drawing/2010/main" xmlns:ma14="http://schemas.microsoft.com/office/mac/drawingml/2011/main" val="1"/>
                 </a:ext>
               </a:extLst>
             </p:spPr>
@@ -3334,7 +3438,7 @@
               <a:effectLst/>
               <a:extLst>
                 <a:ext uri="{C572A759-6A51-4108-AA02-DFA0A04FC94B}">
-                  <ma14:wrappingTextBoxFlag xmlns:ma14="http://schemas.microsoft.com/office/mac/drawingml/2011/main" xmlns:a14="http://schemas.microsoft.com/office/drawing/2010/main" xmlns:m="http://schemas.openxmlformats.org/officeDocument/2006/math" xmlns="" val="1"/>
+                  <ma14:wrappingTextBoxFlag xmlns="" xmlns:m="http://schemas.openxmlformats.org/officeDocument/2006/math" xmlns:a14="http://schemas.microsoft.com/office/drawing/2010/main" xmlns:ma14="http://schemas.microsoft.com/office/mac/drawingml/2011/main" val="1"/>
                 </a:ext>
               </a:extLst>
             </p:spPr>
@@ -3708,7 +3812,7 @@
               <a:effectLst/>
               <a:extLst>
                 <a:ext uri="{C572A759-6A51-4108-AA02-DFA0A04FC94B}">
-                  <ma14:wrappingTextBoxFlag xmlns:ma14="http://schemas.microsoft.com/office/mac/drawingml/2011/main" xmlns:a14="http://schemas.microsoft.com/office/drawing/2010/main" xmlns:m="http://schemas.openxmlformats.org/officeDocument/2006/math" xmlns="" val="1"/>
+                  <ma14:wrappingTextBoxFlag xmlns="" xmlns:m="http://schemas.openxmlformats.org/officeDocument/2006/math" xmlns:a14="http://schemas.microsoft.com/office/drawing/2010/main" xmlns:ma14="http://schemas.microsoft.com/office/mac/drawingml/2011/main" val="1"/>
                 </a:ext>
               </a:extLst>
             </p:spPr>
@@ -3782,7 +3886,7 @@
               <a:effectLst/>
               <a:extLst>
                 <a:ext uri="{C572A759-6A51-4108-AA02-DFA0A04FC94B}">
-                  <ma14:wrappingTextBoxFlag xmlns:ma14="http://schemas.microsoft.com/office/mac/drawingml/2011/main" xmlns:a14="http://schemas.microsoft.com/office/drawing/2010/main" xmlns:m="http://schemas.openxmlformats.org/officeDocument/2006/math" xmlns="" val="1"/>
+                  <ma14:wrappingTextBoxFlag xmlns="" xmlns:m="http://schemas.openxmlformats.org/officeDocument/2006/math" xmlns:a14="http://schemas.microsoft.com/office/drawing/2010/main" xmlns:ma14="http://schemas.microsoft.com/office/mac/drawingml/2011/main" val="1"/>
                 </a:ext>
               </a:extLst>
             </p:spPr>
@@ -4174,7 +4278,7 @@
               <a:effectLst/>
               <a:extLst>
                 <a:ext uri="{C572A759-6A51-4108-AA02-DFA0A04FC94B}">
-                  <ma14:wrappingTextBoxFlag xmlns:ma14="http://schemas.microsoft.com/office/mac/drawingml/2011/main" xmlns:a14="http://schemas.microsoft.com/office/drawing/2010/main" xmlns:m="http://schemas.openxmlformats.org/officeDocument/2006/math" xmlns="" val="1"/>
+                  <ma14:wrappingTextBoxFlag xmlns="" xmlns:m="http://schemas.openxmlformats.org/officeDocument/2006/math" xmlns:a14="http://schemas.microsoft.com/office/drawing/2010/main" xmlns:ma14="http://schemas.microsoft.com/office/mac/drawingml/2011/main" val="1"/>
                 </a:ext>
               </a:extLst>
             </p:spPr>
@@ -4248,7 +4352,7 @@
               <a:effectLst/>
               <a:extLst>
                 <a:ext uri="{C572A759-6A51-4108-AA02-DFA0A04FC94B}">
-                  <ma14:wrappingTextBoxFlag xmlns:ma14="http://schemas.microsoft.com/office/mac/drawingml/2011/main" xmlns:a14="http://schemas.microsoft.com/office/drawing/2010/main" xmlns:m="http://schemas.openxmlformats.org/officeDocument/2006/math" xmlns="" val="1"/>
+                  <ma14:wrappingTextBoxFlag xmlns="" xmlns:m="http://schemas.openxmlformats.org/officeDocument/2006/math" xmlns:a14="http://schemas.microsoft.com/office/drawing/2010/main" xmlns:ma14="http://schemas.microsoft.com/office/mac/drawingml/2011/main" val="1"/>
                 </a:ext>
               </a:extLst>
             </p:spPr>
@@ -4466,7 +4570,7 @@
           </a:ln>
           <a:extLst>
             <a:ext uri="{C572A759-6A51-4108-AA02-DFA0A04FC94B}">
-              <ma14:wrappingTextBoxFlag xmlns:ma14="http://schemas.microsoft.com/office/mac/drawingml/2011/main" xmlns:a14="http://schemas.microsoft.com/office/drawing/2010/main" xmlns:m="http://schemas.openxmlformats.org/officeDocument/2006/math" xmlns="" val="1"/>
+              <ma14:wrappingTextBoxFlag xmlns="" xmlns:m="http://schemas.openxmlformats.org/officeDocument/2006/math" xmlns:a14="http://schemas.microsoft.com/office/drawing/2010/main" xmlns:ma14="http://schemas.microsoft.com/office/mac/drawingml/2011/main" val="1"/>
             </a:ext>
           </a:extLst>
         </p:spPr>
@@ -4505,7 +4609,7 @@
           </a:ln>
           <a:extLst>
             <a:ext uri="{C572A759-6A51-4108-AA02-DFA0A04FC94B}">
-              <ma14:wrappingTextBoxFlag xmlns:ma14="http://schemas.microsoft.com/office/mac/drawingml/2011/main" xmlns:a14="http://schemas.microsoft.com/office/drawing/2010/main" xmlns:m="http://schemas.openxmlformats.org/officeDocument/2006/math" xmlns="" val="1"/>
+              <ma14:wrappingTextBoxFlag xmlns="" xmlns:m="http://schemas.openxmlformats.org/officeDocument/2006/math" xmlns:a14="http://schemas.microsoft.com/office/drawing/2010/main" xmlns:ma14="http://schemas.microsoft.com/office/mac/drawingml/2011/main" val="1"/>
             </a:ext>
           </a:extLst>
         </p:spPr>
@@ -5438,7 +5542,7 @@
           </a:ln>
           <a:extLst>
             <a:ext uri="{C572A759-6A51-4108-AA02-DFA0A04FC94B}">
-              <ma14:wrappingTextBoxFlag xmlns:ma14="http://schemas.microsoft.com/office/mac/drawingml/2011/main" xmlns:a14="http://schemas.microsoft.com/office/drawing/2010/main" xmlns:m="http://schemas.openxmlformats.org/officeDocument/2006/math" xmlns="" val="1"/>
+              <ma14:wrappingTextBoxFlag xmlns="" xmlns:m="http://schemas.openxmlformats.org/officeDocument/2006/math" xmlns:a14="http://schemas.microsoft.com/office/drawing/2010/main" xmlns:ma14="http://schemas.microsoft.com/office/mac/drawingml/2011/main" val="1"/>
             </a:ext>
           </a:extLst>
         </p:spPr>
@@ -5485,7 +5589,7 @@
           </a:ln>
           <a:extLst>
             <a:ext uri="{C572A759-6A51-4108-AA02-DFA0A04FC94B}">
-              <ma14:wrappingTextBoxFlag xmlns:ma14="http://schemas.microsoft.com/office/mac/drawingml/2011/main" xmlns:a14="http://schemas.microsoft.com/office/drawing/2010/main" xmlns:m="http://schemas.openxmlformats.org/officeDocument/2006/math" xmlns="" val="1"/>
+              <ma14:wrappingTextBoxFlag xmlns="" xmlns:m="http://schemas.openxmlformats.org/officeDocument/2006/math" xmlns:a14="http://schemas.microsoft.com/office/drawing/2010/main" xmlns:ma14="http://schemas.microsoft.com/office/mac/drawingml/2011/main" val="1"/>
             </a:ext>
           </a:extLst>
         </p:spPr>
@@ -5532,7 +5636,7 @@
           </a:ln>
           <a:extLst>
             <a:ext uri="{C572A759-6A51-4108-AA02-DFA0A04FC94B}">
-              <ma14:wrappingTextBoxFlag xmlns:ma14="http://schemas.microsoft.com/office/mac/drawingml/2011/main" xmlns:a14="http://schemas.microsoft.com/office/drawing/2010/main" xmlns:m="http://schemas.openxmlformats.org/officeDocument/2006/math" xmlns="" val="1"/>
+              <ma14:wrappingTextBoxFlag xmlns="" xmlns:m="http://schemas.openxmlformats.org/officeDocument/2006/math" xmlns:a14="http://schemas.microsoft.com/office/drawing/2010/main" xmlns:ma14="http://schemas.microsoft.com/office/mac/drawingml/2011/main" val="1"/>
             </a:ext>
           </a:extLst>
         </p:spPr>
@@ -5579,7 +5683,7 @@
           </a:ln>
           <a:extLst>
             <a:ext uri="{C572A759-6A51-4108-AA02-DFA0A04FC94B}">
-              <ma14:wrappingTextBoxFlag xmlns:ma14="http://schemas.microsoft.com/office/mac/drawingml/2011/main" xmlns:a14="http://schemas.microsoft.com/office/drawing/2010/main" xmlns:m="http://schemas.openxmlformats.org/officeDocument/2006/math" xmlns="" val="1"/>
+              <ma14:wrappingTextBoxFlag xmlns="" xmlns:m="http://schemas.openxmlformats.org/officeDocument/2006/math" xmlns:a14="http://schemas.microsoft.com/office/drawing/2010/main" xmlns:ma14="http://schemas.microsoft.com/office/mac/drawingml/2011/main" val="1"/>
             </a:ext>
           </a:extLst>
         </p:spPr>
@@ -5661,7 +5765,7 @@
           </a:ln>
           <a:extLst>
             <a:ext uri="{C572A759-6A51-4108-AA02-DFA0A04FC94B}">
-              <ma14:wrappingTextBoxFlag xmlns:ma14="http://schemas.microsoft.com/office/mac/drawingml/2011/main" xmlns:a14="http://schemas.microsoft.com/office/drawing/2010/main" xmlns:m="http://schemas.openxmlformats.org/officeDocument/2006/math" xmlns="" val="1"/>
+              <ma14:wrappingTextBoxFlag xmlns="" xmlns:m="http://schemas.openxmlformats.org/officeDocument/2006/math" xmlns:a14="http://schemas.microsoft.com/office/drawing/2010/main" xmlns:ma14="http://schemas.microsoft.com/office/mac/drawingml/2011/main" val="1"/>
             </a:ext>
           </a:extLst>
         </p:spPr>
@@ -5979,7 +6083,7 @@
     <a:masterClrMapping/>
   </p:clrMapOvr>
   <mc:AlternateContent xmlns:mc="http://schemas.openxmlformats.org/markup-compatibility/2006">
-    <mc:Choice xmlns="" xmlns:p159="http://schemas.microsoft.com/office/powerpoint/2015/09/main" Requires="p159">
+    <mc:Choice xmlns:p159="http://schemas.microsoft.com/office/powerpoint/2015/09/main" xmlns="" Requires="p159">
       <p:transition xmlns:p14="http://schemas.microsoft.com/office/powerpoint/2010/main" spd="slow" p14:dur="2000">
         <p159:morph option="byObject"/>
       </p:transition>
@@ -6279,9 +6383,17 @@
           <a:p>
             <a:r>
               <a:rPr lang="zh-TW" altLang="en-US" sz="4000" dirty="0" smtClean="0"/>
-              <a:t>注意，若採用不同的時態，句子的意義也會隨之改變。</a:t>
-            </a:r>
-            <a:endParaRPr lang="zh-TW" altLang="en-US" sz="4000" dirty="0"/>
+              <a:t>注意，若採用不同的時態，句子的意義也會隨之改變</a:t>
+            </a:r>
+            <a:r>
+              <a:rPr lang="zh-TW" altLang="en-US" sz="4000" dirty="0" smtClean="0"/>
+              <a:t>。 </a:t>
+            </a:r>
+            <a:r>
+              <a:rPr lang="en-US" altLang="zh-TW" sz="3200" dirty="0" smtClean="0"/>
+              <a:t>(p.341)</a:t>
+            </a:r>
+            <a:endParaRPr lang="zh-TW" altLang="en-US" sz="3200" dirty="0"/>
           </a:p>
         </p:txBody>
       </p:sp>
@@ -6545,9 +6657,17 @@
             </a:pPr>
             <a:r>
               <a:rPr lang="zh-TW" altLang="en-US" sz="4000" dirty="0" smtClean="0"/>
-              <a:t>此外，描述研究對象時偶爾還會用到過去完成式。當要敘述過去特定時間前已完成的行為或事件，便要用到過去完成式。</a:t>
-            </a:r>
-            <a:endParaRPr lang="zh-TW" altLang="en-US" sz="4000" dirty="0"/>
+              <a:t>此外，描述研究對象時偶爾還會用到過去完成式。當要敘述過去特定時間前已完成的行為或事件，便要用到過去完成式</a:t>
+            </a:r>
+            <a:r>
+              <a:rPr lang="zh-TW" altLang="en-US" sz="4000" dirty="0" smtClean="0"/>
+              <a:t>。 </a:t>
+            </a:r>
+            <a:r>
+              <a:rPr lang="en-US" altLang="zh-TW" sz="3200" dirty="0" smtClean="0"/>
+              <a:t>(p.342)</a:t>
+            </a:r>
+            <a:endParaRPr lang="zh-TW" altLang="en-US" sz="3200" dirty="0"/>
           </a:p>
         </p:txBody>
       </p:sp>
@@ -6965,6 +7085,17 @@
               <a:t>《</a:t>
             </a:r>
             <a:r>
+              <a:rPr lang="zh-TW" altLang="en-US" sz="3600" b="0" dirty="0" smtClean="0">
+                <a:solidFill>
+                  <a:schemeClr val="tx1">
+                    <a:lumMod val="75000"/>
+                    <a:lumOff val="25000"/>
+                  </a:schemeClr>
+                </a:solidFill>
+              </a:rPr>
+              <a:t>傻瓜也</a:t>
+            </a:r>
+            <a:r>
               <a:rPr lang="zh-TW" altLang="en-US" sz="3600" b="0" dirty="0">
                 <a:solidFill>
                   <a:schemeClr val="tx1">
@@ -6973,7 +7104,7 @@
                   </a:schemeClr>
                 </a:solidFill>
               </a:rPr>
-              <a:t>傻瓜也也會寫論文</a:t>
+              <a:t>會寫論文</a:t>
             </a:r>
             <a:r>
               <a:rPr lang="en-US" altLang="zh-TW" sz="3600" b="0" dirty="0">
@@ -7155,7 +7286,7 @@
           </a:prstGeom>
           <a:extLst>
             <a:ext uri="{C572A759-6A51-4108-AA02-DFA0A04FC94B}">
-              <ma14:wrappingTextBoxFlag xmlns:ma14="http://schemas.microsoft.com/office/mac/drawingml/2011/main" xmlns:a14="http://schemas.microsoft.com/office/drawing/2010/main" xmlns:m="http://schemas.openxmlformats.org/officeDocument/2006/math" xmlns="" val="1"/>
+              <ma14:wrappingTextBoxFlag xmlns="" xmlns:m="http://schemas.openxmlformats.org/officeDocument/2006/math" xmlns:a14="http://schemas.microsoft.com/office/drawing/2010/main" xmlns:ma14="http://schemas.microsoft.com/office/mac/drawingml/2011/main" val="1"/>
             </a:ext>
           </a:extLst>
         </p:spPr>
@@ -7279,7 +7410,7 @@
           </a:ln>
           <a:extLst>
             <a:ext uri="{C572A759-6A51-4108-AA02-DFA0A04FC94B}">
-              <ma14:wrappingTextBoxFlag xmlns:ma14="http://schemas.microsoft.com/office/mac/drawingml/2011/main" xmlns:a14="http://schemas.microsoft.com/office/drawing/2010/main" xmlns:m="http://schemas.openxmlformats.org/officeDocument/2006/math" xmlns="" val="1"/>
+              <ma14:wrappingTextBoxFlag xmlns="" xmlns:m="http://schemas.openxmlformats.org/officeDocument/2006/math" xmlns:a14="http://schemas.microsoft.com/office/drawing/2010/main" xmlns:ma14="http://schemas.microsoft.com/office/mac/drawingml/2011/main" val="1"/>
             </a:ext>
           </a:extLst>
         </p:spPr>
@@ -9342,6 +9473,15 @@
               <a:rPr lang="en-US" altLang="zh-TW" sz="4000" dirty="0" smtClean="0"/>
               <a:t>:</a:t>
             </a:r>
+            <a:r>
+              <a:rPr lang="zh-TW" altLang="en-US" sz="4000" dirty="0" smtClean="0"/>
+              <a:t> </a:t>
+            </a:r>
+            <a:r>
+              <a:rPr lang="en-US" altLang="zh-TW" sz="3200" dirty="0" smtClean="0"/>
+              <a:t>(p.336)</a:t>
+            </a:r>
+            <a:endParaRPr lang="en-US" altLang="zh-TW" sz="3200" dirty="0" smtClean="0"/>
           </a:p>
           <a:p>
             <a:endParaRPr lang="en-US" altLang="zh-TW" sz="4000" dirty="0"/>
@@ -9558,9 +9698,24 @@
               <a:t>描述不受時間限制的普遍事實時，要用現在式</a:t>
             </a:r>
             <a:r>
-              <a:rPr lang="en-US" altLang="zh-TW" sz="4000" dirty="0" smtClean="0"/>
-              <a:t>:</a:t>
-            </a:r>
+              <a:rPr lang="en-US" altLang="zh-TW" sz="4000" dirty="0"/>
+              <a:t>: </a:t>
+            </a:r>
+            <a:r>
+              <a:rPr lang="en-US" altLang="zh-TW" sz="3200" dirty="0" smtClean="0"/>
+              <a:t>(</a:t>
+            </a:r>
+            <a:r>
+              <a:rPr lang="en-US" altLang="zh-TW" sz="3200" dirty="0"/>
+              <a:t>p</a:t>
+            </a:r>
+            <a:r>
+              <a:rPr lang="en-US" altLang="zh-TW" sz="3200" dirty="0" smtClean="0"/>
+              <a:t>.337)</a:t>
+            </a:r>
+            <a:endParaRPr lang="en-US" altLang="zh-TW" sz="3200" dirty="0"/>
+          </a:p>
+          <a:p>
             <a:endParaRPr lang="en-US" altLang="zh-TW" sz="4000" dirty="0"/>
           </a:p>
         </p:txBody>
@@ -9626,7 +9781,7 @@
           </a:ln>
           <a:extLst>
             <a:ext uri="{C572A759-6A51-4108-AA02-DFA0A04FC94B}">
-              <ma14:wrappingTextBoxFlag xmlns:ma14="http://schemas.microsoft.com/office/mac/drawingml/2011/main" xmlns:a14="http://schemas.microsoft.com/office/drawing/2010/main" xmlns:m="http://schemas.openxmlformats.org/officeDocument/2006/math" xmlns="" val="1"/>
+              <ma14:wrappingTextBoxFlag xmlns="" xmlns:m="http://schemas.openxmlformats.org/officeDocument/2006/math" xmlns:a14="http://schemas.microsoft.com/office/drawing/2010/main" xmlns:ma14="http://schemas.microsoft.com/office/mac/drawingml/2011/main" val="1"/>
             </a:ext>
           </a:extLst>
         </p:spPr>
@@ -9975,7 +10130,7 @@
           </a:ln>
           <a:extLst>
             <a:ext uri="{C572A759-6A51-4108-AA02-DFA0A04FC94B}">
-              <ma14:wrappingTextBoxFlag xmlns:ma14="http://schemas.microsoft.com/office/mac/drawingml/2011/main" xmlns:a14="http://schemas.microsoft.com/office/drawing/2010/main" xmlns:m="http://schemas.openxmlformats.org/officeDocument/2006/math" xmlns="" val="1"/>
+              <ma14:wrappingTextBoxFlag xmlns="" xmlns:m="http://schemas.openxmlformats.org/officeDocument/2006/math" xmlns:a14="http://schemas.microsoft.com/office/drawing/2010/main" xmlns:ma14="http://schemas.microsoft.com/office/mac/drawingml/2011/main" val="1"/>
             </a:ext>
           </a:extLst>
         </p:spPr>
@@ -10374,9 +10529,13 @@
             </a:r>
             <a:r>
               <a:rPr lang="zh-TW" altLang="en-US" sz="4000" b="1" dirty="0" smtClean="0"/>
-              <a:t>語態</a:t>
-            </a:r>
-            <a:endParaRPr lang="en-US" altLang="zh-TW" sz="4000" b="1" dirty="0" smtClean="0"/>
+              <a:t>語態 </a:t>
+            </a:r>
+            <a:r>
+              <a:rPr lang="en-US" altLang="zh-TW" sz="3200" dirty="0" smtClean="0"/>
+              <a:t>(p.337)</a:t>
+            </a:r>
+            <a:endParaRPr lang="en-US" altLang="zh-TW" sz="3200" b="1" dirty="0" smtClean="0"/>
           </a:p>
           <a:p>
             <a:pPr marL="1620000" lvl="4" eaLnBrk="1" hangingPunct="1"/>
@@ -10535,11 +10694,7 @@
             </a:r>
             <a:r>
               <a:rPr lang="en-US" altLang="zh-TW" sz="4000" i="1" dirty="0" smtClean="0"/>
-              <a:t>We </a:t>
-            </a:r>
-            <a:r>
-              <a:rPr lang="en-US" altLang="zh-TW" sz="4000" i="1" dirty="0" smtClean="0"/>
-              <a:t>believed  </a:t>
+              <a:t>We believed  </a:t>
             </a:r>
             <a:r>
               <a:rPr lang="en-US" altLang="zh-TW" sz="4000" b="0" dirty="0" smtClean="0"/>

--- a/tech/report/ch15方法章節.pptx
+++ b/tech/report/ch15方法章節.pptx
@@ -420,7 +420,7 @@
           <a:p>
             <a:fld id="{F550CF06-8FC7-4608-9AE5-384E68A55A9B}" type="datetimeFigureOut">
               <a:rPr lang="zh-TW" altLang="en-US" smtClean="0"/>
-              <a:t>2020/6/15</a:t>
+              <a:t>2020/6/16</a:t>
             </a:fld>
             <a:endParaRPr lang="zh-TW" altLang="en-US"/>
           </a:p>
@@ -793,11 +793,7 @@
           <a:p>
             <a:r>
               <a:rPr lang="zh-TW" altLang="en-US" dirty="0" smtClean="0"/>
-              <a:t>方法章節必須將作者的實驗程序說明既清楚又詳細，以便讓其他學者能按照這一過程重複作者的實驗</a:t>
-            </a:r>
-            <a:r>
-              <a:rPr lang="zh-TW" altLang="en-US" dirty="0" smtClean="0"/>
-              <a:t>。</a:t>
+              <a:t>方法章節必須將作者的實驗程序說明既清楚又詳細，以便讓其他學者能按照這一過程重複作者的實驗。</a:t>
             </a:r>
             <a:endParaRPr lang="en-US" altLang="zh-TW" dirty="0" smtClean="0"/>
           </a:p>
@@ -984,34 +980,12 @@
           <a:lstStyle/>
           <a:p>
             <a:r>
-              <a:rPr lang="zh-TW" altLang="en-US" dirty="0" smtClean="0"/>
-              <a:t>敘述一般不受時間影響的事實</a:t>
-            </a:r>
-          </a:p>
-          <a:p>
-            <a:r>
-              <a:rPr lang="zh-TW" altLang="en-US" dirty="0" smtClean="0"/>
-              <a:t>描述一般標準的程序</a:t>
-            </a:r>
-          </a:p>
-          <a:p>
-            <a:r>
-              <a:rPr lang="zh-TW" altLang="en-US" dirty="0" smtClean="0"/>
-              <a:t>指論文本身的</a:t>
-            </a:r>
-            <a:r>
-              <a:rPr lang="zh-TW" altLang="en-US" dirty="0" smtClean="0"/>
-              <a:t>內容</a:t>
-            </a:r>
-            <a:endParaRPr lang="en-US" altLang="zh-TW" dirty="0" smtClean="0"/>
-          </a:p>
-          <a:p>
-            <a:endParaRPr lang="en-US" altLang="zh-TW" dirty="0" smtClean="0"/>
-          </a:p>
-          <a:p>
-            <a:r>
               <a:rPr lang="zh-TW" altLang="zh-TW" dirty="0" smtClean="0"/>
-              <a:t>對照組和“過多” 2個壓痕組的測試如圖3所示</a:t>
+              <a:t>對照</a:t>
+            </a:r>
+            <a:r>
+              <a:rPr lang="zh-TW" altLang="zh-TW" dirty="0" smtClean="0"/>
+              <a:t>組和“過多” 2個壓痕組的測試如圖3所示</a:t>
             </a:r>
             <a:endParaRPr lang="zh-TW" altLang="en-US" dirty="0" smtClean="0"/>
           </a:p>
@@ -1167,6 +1141,77 @@
     <p:extLst>
       <p:ext uri="{BB962C8B-B14F-4D97-AF65-F5344CB8AC3E}">
         <p14:creationId xmlns:p14="http://schemas.microsoft.com/office/powerpoint/2010/main" val="191855449"/>
+      </p:ext>
+    </p:extLst>
+  </p:cSld>
+  <p:clrMapOvr>
+    <a:masterClrMapping/>
+  </p:clrMapOvr>
+</p:notes>
+</file>
+
+<file path=ppt/notesSlides/notesSlide7.xml><?xml version="1.0" encoding="utf-8"?>
+<p:notes xmlns:a="http://schemas.openxmlformats.org/drawingml/2006/main" xmlns:r="http://schemas.openxmlformats.org/officeDocument/2006/relationships" xmlns:p="http://schemas.openxmlformats.org/presentationml/2006/main">
+  <p:cSld>
+    <p:spTree>
+      <p:nvGrpSpPr>
+        <p:cNvPr id="1" name=""/>
+        <p:cNvGrpSpPr/>
+        <p:nvPr/>
+      </p:nvGrpSpPr>
+      <p:grpSpPr>
+        <a:xfrm>
+          <a:off x="0" y="0"/>
+          <a:ext cx="0" cy="0"/>
+          <a:chOff x="0" y="0"/>
+          <a:chExt cx="0" cy="0"/>
+        </a:xfrm>
+      </p:grpSpPr>
+      <p:sp>
+        <p:nvSpPr>
+          <p:cNvPr id="2" name="投影片圖像版面配置區 1"/>
+          <p:cNvSpPr>
+            <a:spLocks noGrp="1" noRot="1" noChangeAspect="1"/>
+          </p:cNvSpPr>
+          <p:nvPr>
+            <p:ph type="sldImg"/>
+          </p:nvPr>
+        </p:nvSpPr>
+        <p:spPr/>
+      </p:sp>
+      <p:sp>
+        <p:nvSpPr>
+          <p:cNvPr id="3" name="備忘稿版面配置區 2"/>
+          <p:cNvSpPr>
+            <a:spLocks noGrp="1"/>
+          </p:cNvSpPr>
+          <p:nvPr>
+            <p:ph type="body" idx="1"/>
+          </p:nvPr>
+        </p:nvSpPr>
+        <p:spPr/>
+        <p:txBody>
+          <a:bodyPr/>
+          <a:lstStyle/>
+          <a:p>
+            <a:r>
+              <a:rPr lang="zh-TW" altLang="en-US" sz="2200" b="0" i="0" dirty="0" smtClean="0">
+                <a:effectLst/>
+                <a:latin typeface="Helvetica Neue"/>
+                <a:ea typeface="Helvetica Neue"/>
+                <a:cs typeface="Helvetica Neue"/>
+                <a:sym typeface="Helvetica Neue"/>
+              </a:rPr>
+              <a:t>樣品架經過特殊設計，可防止測量過程中打滑。</a:t>
+            </a:r>
+            <a:endParaRPr lang="zh-TW" altLang="en-US" dirty="0"/>
+          </a:p>
+        </p:txBody>
+      </p:sp>
+    </p:spTree>
+    <p:extLst>
+      <p:ext uri="{BB962C8B-B14F-4D97-AF65-F5344CB8AC3E}">
+        <p14:creationId xmlns:p14="http://schemas.microsoft.com/office/powerpoint/2010/main" val="2474956707"/>
       </p:ext>
     </p:extLst>
   </p:cSld>
@@ -2204,7 +2249,7 @@
               <a:effectLst/>
               <a:extLst>
                 <a:ext uri="{C572A759-6A51-4108-AA02-DFA0A04FC94B}">
-                  <ma14:wrappingTextBoxFlag xmlns="" xmlns:m="http://schemas.openxmlformats.org/officeDocument/2006/math" xmlns:a14="http://schemas.microsoft.com/office/drawing/2010/main" xmlns:ma14="http://schemas.microsoft.com/office/mac/drawingml/2011/main" val="1"/>
+                  <ma14:wrappingTextBoxFlag xmlns:ma14="http://schemas.microsoft.com/office/mac/drawingml/2011/main" xmlns:a14="http://schemas.microsoft.com/office/drawing/2010/main" xmlns:m="http://schemas.openxmlformats.org/officeDocument/2006/math" xmlns="" val="1"/>
                 </a:ext>
               </a:extLst>
             </p:spPr>
@@ -2278,7 +2323,7 @@
               <a:effectLst/>
               <a:extLst>
                 <a:ext uri="{C572A759-6A51-4108-AA02-DFA0A04FC94B}">
-                  <ma14:wrappingTextBoxFlag xmlns="" xmlns:m="http://schemas.openxmlformats.org/officeDocument/2006/math" xmlns:a14="http://schemas.microsoft.com/office/drawing/2010/main" xmlns:ma14="http://schemas.microsoft.com/office/mac/drawingml/2011/main" val="1"/>
+                  <ma14:wrappingTextBoxFlag xmlns:ma14="http://schemas.microsoft.com/office/mac/drawingml/2011/main" xmlns:a14="http://schemas.microsoft.com/office/drawing/2010/main" xmlns:m="http://schemas.openxmlformats.org/officeDocument/2006/math" xmlns="" val="1"/>
                 </a:ext>
               </a:extLst>
             </p:spPr>
@@ -2636,7 +2681,7 @@
               <a:effectLst/>
               <a:extLst>
                 <a:ext uri="{C572A759-6A51-4108-AA02-DFA0A04FC94B}">
-                  <ma14:wrappingTextBoxFlag xmlns="" xmlns:m="http://schemas.openxmlformats.org/officeDocument/2006/math" xmlns:a14="http://schemas.microsoft.com/office/drawing/2010/main" xmlns:ma14="http://schemas.microsoft.com/office/mac/drawingml/2011/main" val="1"/>
+                  <ma14:wrappingTextBoxFlag xmlns:ma14="http://schemas.microsoft.com/office/mac/drawingml/2011/main" xmlns:a14="http://schemas.microsoft.com/office/drawing/2010/main" xmlns:m="http://schemas.openxmlformats.org/officeDocument/2006/math" xmlns="" val="1"/>
                 </a:ext>
               </a:extLst>
             </p:spPr>
@@ -2706,7 +2751,7 @@
               <a:effectLst/>
               <a:extLst>
                 <a:ext uri="{C572A759-6A51-4108-AA02-DFA0A04FC94B}">
-                  <ma14:wrappingTextBoxFlag xmlns="" xmlns:m="http://schemas.openxmlformats.org/officeDocument/2006/math" xmlns:a14="http://schemas.microsoft.com/office/drawing/2010/main" xmlns:ma14="http://schemas.microsoft.com/office/mac/drawingml/2011/main" val="1"/>
+                  <ma14:wrappingTextBoxFlag xmlns:ma14="http://schemas.microsoft.com/office/mac/drawingml/2011/main" xmlns:a14="http://schemas.microsoft.com/office/drawing/2010/main" xmlns:m="http://schemas.openxmlformats.org/officeDocument/2006/math" xmlns="" val="1"/>
                 </a:ext>
               </a:extLst>
             </p:spPr>
@@ -3364,7 +3409,7 @@
               <a:effectLst/>
               <a:extLst>
                 <a:ext uri="{C572A759-6A51-4108-AA02-DFA0A04FC94B}">
-                  <ma14:wrappingTextBoxFlag xmlns="" xmlns:m="http://schemas.openxmlformats.org/officeDocument/2006/math" xmlns:a14="http://schemas.microsoft.com/office/drawing/2010/main" xmlns:ma14="http://schemas.microsoft.com/office/mac/drawingml/2011/main" val="1"/>
+                  <ma14:wrappingTextBoxFlag xmlns:ma14="http://schemas.microsoft.com/office/mac/drawingml/2011/main" xmlns:a14="http://schemas.microsoft.com/office/drawing/2010/main" xmlns:m="http://schemas.openxmlformats.org/officeDocument/2006/math" xmlns="" val="1"/>
                 </a:ext>
               </a:extLst>
             </p:spPr>
@@ -3438,7 +3483,7 @@
               <a:effectLst/>
               <a:extLst>
                 <a:ext uri="{C572A759-6A51-4108-AA02-DFA0A04FC94B}">
-                  <ma14:wrappingTextBoxFlag xmlns="" xmlns:m="http://schemas.openxmlformats.org/officeDocument/2006/math" xmlns:a14="http://schemas.microsoft.com/office/drawing/2010/main" xmlns:ma14="http://schemas.microsoft.com/office/mac/drawingml/2011/main" val="1"/>
+                  <ma14:wrappingTextBoxFlag xmlns:ma14="http://schemas.microsoft.com/office/mac/drawingml/2011/main" xmlns:a14="http://schemas.microsoft.com/office/drawing/2010/main" xmlns:m="http://schemas.openxmlformats.org/officeDocument/2006/math" xmlns="" val="1"/>
                 </a:ext>
               </a:extLst>
             </p:spPr>
@@ -3812,7 +3857,7 @@
               <a:effectLst/>
               <a:extLst>
                 <a:ext uri="{C572A759-6A51-4108-AA02-DFA0A04FC94B}">
-                  <ma14:wrappingTextBoxFlag xmlns="" xmlns:m="http://schemas.openxmlformats.org/officeDocument/2006/math" xmlns:a14="http://schemas.microsoft.com/office/drawing/2010/main" xmlns:ma14="http://schemas.microsoft.com/office/mac/drawingml/2011/main" val="1"/>
+                  <ma14:wrappingTextBoxFlag xmlns:ma14="http://schemas.microsoft.com/office/mac/drawingml/2011/main" xmlns:a14="http://schemas.microsoft.com/office/drawing/2010/main" xmlns:m="http://schemas.openxmlformats.org/officeDocument/2006/math" xmlns="" val="1"/>
                 </a:ext>
               </a:extLst>
             </p:spPr>
@@ -3886,7 +3931,7 @@
               <a:effectLst/>
               <a:extLst>
                 <a:ext uri="{C572A759-6A51-4108-AA02-DFA0A04FC94B}">
-                  <ma14:wrappingTextBoxFlag xmlns="" xmlns:m="http://schemas.openxmlformats.org/officeDocument/2006/math" xmlns:a14="http://schemas.microsoft.com/office/drawing/2010/main" xmlns:ma14="http://schemas.microsoft.com/office/mac/drawingml/2011/main" val="1"/>
+                  <ma14:wrappingTextBoxFlag xmlns:ma14="http://schemas.microsoft.com/office/mac/drawingml/2011/main" xmlns:a14="http://schemas.microsoft.com/office/drawing/2010/main" xmlns:m="http://schemas.openxmlformats.org/officeDocument/2006/math" xmlns="" val="1"/>
                 </a:ext>
               </a:extLst>
             </p:spPr>
@@ -4278,7 +4323,7 @@
               <a:effectLst/>
               <a:extLst>
                 <a:ext uri="{C572A759-6A51-4108-AA02-DFA0A04FC94B}">
-                  <ma14:wrappingTextBoxFlag xmlns="" xmlns:m="http://schemas.openxmlformats.org/officeDocument/2006/math" xmlns:a14="http://schemas.microsoft.com/office/drawing/2010/main" xmlns:ma14="http://schemas.microsoft.com/office/mac/drawingml/2011/main" val="1"/>
+                  <ma14:wrappingTextBoxFlag xmlns:ma14="http://schemas.microsoft.com/office/mac/drawingml/2011/main" xmlns:a14="http://schemas.microsoft.com/office/drawing/2010/main" xmlns:m="http://schemas.openxmlformats.org/officeDocument/2006/math" xmlns="" val="1"/>
                 </a:ext>
               </a:extLst>
             </p:spPr>
@@ -4352,7 +4397,7 @@
               <a:effectLst/>
               <a:extLst>
                 <a:ext uri="{C572A759-6A51-4108-AA02-DFA0A04FC94B}">
-                  <ma14:wrappingTextBoxFlag xmlns="" xmlns:m="http://schemas.openxmlformats.org/officeDocument/2006/math" xmlns:a14="http://schemas.microsoft.com/office/drawing/2010/main" xmlns:ma14="http://schemas.microsoft.com/office/mac/drawingml/2011/main" val="1"/>
+                  <ma14:wrappingTextBoxFlag xmlns:ma14="http://schemas.microsoft.com/office/mac/drawingml/2011/main" xmlns:a14="http://schemas.microsoft.com/office/drawing/2010/main" xmlns:m="http://schemas.openxmlformats.org/officeDocument/2006/math" xmlns="" val="1"/>
                 </a:ext>
               </a:extLst>
             </p:spPr>
@@ -4570,7 +4615,7 @@
           </a:ln>
           <a:extLst>
             <a:ext uri="{C572A759-6A51-4108-AA02-DFA0A04FC94B}">
-              <ma14:wrappingTextBoxFlag xmlns="" xmlns:m="http://schemas.openxmlformats.org/officeDocument/2006/math" xmlns:a14="http://schemas.microsoft.com/office/drawing/2010/main" xmlns:ma14="http://schemas.microsoft.com/office/mac/drawingml/2011/main" val="1"/>
+              <ma14:wrappingTextBoxFlag xmlns:ma14="http://schemas.microsoft.com/office/mac/drawingml/2011/main" xmlns:a14="http://schemas.microsoft.com/office/drawing/2010/main" xmlns:m="http://schemas.openxmlformats.org/officeDocument/2006/math" xmlns="" val="1"/>
             </a:ext>
           </a:extLst>
         </p:spPr>
@@ -4609,7 +4654,7 @@
           </a:ln>
           <a:extLst>
             <a:ext uri="{C572A759-6A51-4108-AA02-DFA0A04FC94B}">
-              <ma14:wrappingTextBoxFlag xmlns="" xmlns:m="http://schemas.openxmlformats.org/officeDocument/2006/math" xmlns:a14="http://schemas.microsoft.com/office/drawing/2010/main" xmlns:ma14="http://schemas.microsoft.com/office/mac/drawingml/2011/main" val="1"/>
+              <ma14:wrappingTextBoxFlag xmlns:ma14="http://schemas.microsoft.com/office/mac/drawingml/2011/main" xmlns:a14="http://schemas.microsoft.com/office/drawing/2010/main" xmlns:m="http://schemas.openxmlformats.org/officeDocument/2006/math" xmlns="" val="1"/>
             </a:ext>
           </a:extLst>
         </p:spPr>
@@ -5542,7 +5587,7 @@
           </a:ln>
           <a:extLst>
             <a:ext uri="{C572A759-6A51-4108-AA02-DFA0A04FC94B}">
-              <ma14:wrappingTextBoxFlag xmlns="" xmlns:m="http://schemas.openxmlformats.org/officeDocument/2006/math" xmlns:a14="http://schemas.microsoft.com/office/drawing/2010/main" xmlns:ma14="http://schemas.microsoft.com/office/mac/drawingml/2011/main" val="1"/>
+              <ma14:wrappingTextBoxFlag xmlns:ma14="http://schemas.microsoft.com/office/mac/drawingml/2011/main" xmlns:a14="http://schemas.microsoft.com/office/drawing/2010/main" xmlns:m="http://schemas.openxmlformats.org/officeDocument/2006/math" xmlns="" val="1"/>
             </a:ext>
           </a:extLst>
         </p:spPr>
@@ -5589,7 +5634,7 @@
           </a:ln>
           <a:extLst>
             <a:ext uri="{C572A759-6A51-4108-AA02-DFA0A04FC94B}">
-              <ma14:wrappingTextBoxFlag xmlns="" xmlns:m="http://schemas.openxmlformats.org/officeDocument/2006/math" xmlns:a14="http://schemas.microsoft.com/office/drawing/2010/main" xmlns:ma14="http://schemas.microsoft.com/office/mac/drawingml/2011/main" val="1"/>
+              <ma14:wrappingTextBoxFlag xmlns:ma14="http://schemas.microsoft.com/office/mac/drawingml/2011/main" xmlns:a14="http://schemas.microsoft.com/office/drawing/2010/main" xmlns:m="http://schemas.openxmlformats.org/officeDocument/2006/math" xmlns="" val="1"/>
             </a:ext>
           </a:extLst>
         </p:spPr>
@@ -5636,7 +5681,7 @@
           </a:ln>
           <a:extLst>
             <a:ext uri="{C572A759-6A51-4108-AA02-DFA0A04FC94B}">
-              <ma14:wrappingTextBoxFlag xmlns="" xmlns:m="http://schemas.openxmlformats.org/officeDocument/2006/math" xmlns:a14="http://schemas.microsoft.com/office/drawing/2010/main" xmlns:ma14="http://schemas.microsoft.com/office/mac/drawingml/2011/main" val="1"/>
+              <ma14:wrappingTextBoxFlag xmlns:ma14="http://schemas.microsoft.com/office/mac/drawingml/2011/main" xmlns:a14="http://schemas.microsoft.com/office/drawing/2010/main" xmlns:m="http://schemas.openxmlformats.org/officeDocument/2006/math" xmlns="" val="1"/>
             </a:ext>
           </a:extLst>
         </p:spPr>
@@ -5683,7 +5728,7 @@
           </a:ln>
           <a:extLst>
             <a:ext uri="{C572A759-6A51-4108-AA02-DFA0A04FC94B}">
-              <ma14:wrappingTextBoxFlag xmlns="" xmlns:m="http://schemas.openxmlformats.org/officeDocument/2006/math" xmlns:a14="http://schemas.microsoft.com/office/drawing/2010/main" xmlns:ma14="http://schemas.microsoft.com/office/mac/drawingml/2011/main" val="1"/>
+              <ma14:wrappingTextBoxFlag xmlns:ma14="http://schemas.microsoft.com/office/mac/drawingml/2011/main" xmlns:a14="http://schemas.microsoft.com/office/drawing/2010/main" xmlns:m="http://schemas.openxmlformats.org/officeDocument/2006/math" xmlns="" val="1"/>
             </a:ext>
           </a:extLst>
         </p:spPr>
@@ -5765,7 +5810,7 @@
           </a:ln>
           <a:extLst>
             <a:ext uri="{C572A759-6A51-4108-AA02-DFA0A04FC94B}">
-              <ma14:wrappingTextBoxFlag xmlns="" xmlns:m="http://schemas.openxmlformats.org/officeDocument/2006/math" xmlns:a14="http://schemas.microsoft.com/office/drawing/2010/main" xmlns:ma14="http://schemas.microsoft.com/office/mac/drawingml/2011/main" val="1"/>
+              <ma14:wrappingTextBoxFlag xmlns:ma14="http://schemas.microsoft.com/office/mac/drawingml/2011/main" xmlns:a14="http://schemas.microsoft.com/office/drawing/2010/main" xmlns:m="http://schemas.openxmlformats.org/officeDocument/2006/math" xmlns="" val="1"/>
             </a:ext>
           </a:extLst>
         </p:spPr>
@@ -6083,7 +6128,7 @@
     <a:masterClrMapping/>
   </p:clrMapOvr>
   <mc:AlternateContent xmlns:mc="http://schemas.openxmlformats.org/markup-compatibility/2006">
-    <mc:Choice xmlns:p159="http://schemas.microsoft.com/office/powerpoint/2015/09/main" xmlns="" Requires="p159">
+    <mc:Choice xmlns="" xmlns:p159="http://schemas.microsoft.com/office/powerpoint/2015/09/main" Requires="p159">
       <p:transition xmlns:p14="http://schemas.microsoft.com/office/powerpoint/2010/main" spd="slow" p14:dur="2000">
         <p159:morph option="byObject"/>
       </p:transition>
@@ -6383,11 +6428,7 @@
           <a:p>
             <a:r>
               <a:rPr lang="zh-TW" altLang="en-US" sz="4000" dirty="0" smtClean="0"/>
-              <a:t>注意，若採用不同的時態，句子的意義也會隨之改變</a:t>
-            </a:r>
-            <a:r>
-              <a:rPr lang="zh-TW" altLang="en-US" sz="4000" dirty="0" smtClean="0"/>
-              <a:t>。 </a:t>
+              <a:t>注意，若採用不同的時態，句子的意義也會隨之改變。 </a:t>
             </a:r>
             <a:r>
               <a:rPr lang="en-US" altLang="zh-TW" sz="3200" dirty="0" smtClean="0"/>
@@ -6657,11 +6698,7 @@
             </a:pPr>
             <a:r>
               <a:rPr lang="zh-TW" altLang="en-US" sz="4000" dirty="0" smtClean="0"/>
-              <a:t>此外，描述研究對象時偶爾還會用到過去完成式。當要敘述過去特定時間前已完成的行為或事件，便要用到過去完成式</a:t>
-            </a:r>
-            <a:r>
-              <a:rPr lang="zh-TW" altLang="en-US" sz="4000" dirty="0" smtClean="0"/>
-              <a:t>。 </a:t>
+              <a:t>此外，描述研究對象時偶爾還會用到過去完成式。當要敘述過去特定時間前已完成的行為或事件，便要用到過去完成式。 </a:t>
             </a:r>
             <a:r>
               <a:rPr lang="en-US" altLang="zh-TW" sz="3200" dirty="0" smtClean="0"/>
@@ -7023,18 +7060,49 @@
           </a:bodyPr>
           <a:lstStyle/>
           <a:p>
-            <a:pPr algn="l"/>
+            <a:pPr algn="just"/>
+            <a:r>
+              <a:rPr lang="zh-TW" altLang="en-US" sz="3600" dirty="0" smtClean="0"/>
+              <a:t>「除非你是天縱英才，或是經驗豐富的學者，</a:t>
+            </a:r>
             <a:r>
               <a:rPr lang="zh-TW" altLang="en-US" sz="3600" dirty="0"/>
-              <a:t>「除非你是天縱英才，或是經驗豐富的學者，否則寫論文不可能筆隨意走，或是想到那兒</a:t>
+              <a:t>否則寫論文</a:t>
             </a:r>
             <a:r>
               <a:rPr lang="zh-TW" altLang="en-US" sz="3600" dirty="0" smtClean="0"/>
-              <a:t>寫到</a:t>
+              <a:t>不可能</a:t>
+            </a:r>
+            <a:r>
+              <a:rPr lang="en-US" altLang="zh-TW" sz="3600" dirty="0" smtClean="0"/>
+              <a:t/>
+            </a:r>
+            <a:br>
+              <a:rPr lang="en-US" altLang="zh-TW" sz="3600" dirty="0" smtClean="0"/>
+            </a:br>
+            <a:r>
+              <a:rPr lang="zh-TW" altLang="en-US" sz="3600" dirty="0" smtClean="0"/>
+              <a:t>筆</a:t>
             </a:r>
             <a:r>
               <a:rPr lang="zh-TW" altLang="en-US" sz="3600" dirty="0"/>
-              <a:t>那兒，而是必須有所規劃</a:t>
+              <a:t>隨意走，或是</a:t>
+            </a:r>
+            <a:r>
+              <a:rPr lang="zh-TW" altLang="en-US" sz="3600" dirty="0" smtClean="0"/>
+              <a:t>想到哪寫到</a:t>
+            </a:r>
+            <a:r>
+              <a:rPr lang="zh-TW" altLang="en-US" sz="3600" dirty="0"/>
+              <a:t>哪</a:t>
+            </a:r>
+            <a:r>
+              <a:rPr lang="zh-TW" altLang="en-US" sz="3600" dirty="0" smtClean="0"/>
+              <a:t>，</a:t>
+            </a:r>
+            <a:r>
+              <a:rPr lang="zh-TW" altLang="en-US" sz="3600" dirty="0"/>
+              <a:t>而是必須有所規劃</a:t>
             </a:r>
             <a:r>
               <a:rPr lang="en-US" altLang="zh-TW" sz="3600" dirty="0"/>
@@ -7042,7 +7110,15 @@
             </a:r>
             <a:r>
               <a:rPr lang="zh-TW" altLang="en-US" sz="3600" dirty="0"/>
-              <a:t>即使是一個很專業的寫作者，也無法在完全沒有規劃的狀況下</a:t>
+              <a:t>即使是一個很專業</a:t>
+            </a:r>
+            <a:r>
+              <a:rPr lang="zh-TW" altLang="en-US" sz="3600" dirty="0" smtClean="0"/>
+              <a:t>的作者</a:t>
+            </a:r>
+            <a:r>
+              <a:rPr lang="zh-TW" altLang="en-US" sz="3600" dirty="0"/>
+              <a:t>，也無法在完全沒有規劃的狀況下</a:t>
             </a:r>
             <a:r>
               <a:rPr lang="zh-TW" altLang="en-US" sz="3600" dirty="0" smtClean="0"/>
@@ -7137,7 +7213,7 @@
                   </a:schemeClr>
                 </a:solidFill>
               </a:rPr>
-              <a:t>p.40</a:t>
+              <a:t>p.51</a:t>
             </a:r>
             <a:endParaRPr lang="zh-TW" altLang="en-US" sz="3600" b="0" dirty="0">
               <a:solidFill>
@@ -7286,7 +7362,7 @@
           </a:prstGeom>
           <a:extLst>
             <a:ext uri="{C572A759-6A51-4108-AA02-DFA0A04FC94B}">
-              <ma14:wrappingTextBoxFlag xmlns="" xmlns:m="http://schemas.openxmlformats.org/officeDocument/2006/math" xmlns:a14="http://schemas.microsoft.com/office/drawing/2010/main" xmlns:ma14="http://schemas.microsoft.com/office/mac/drawingml/2011/main" val="1"/>
+              <ma14:wrappingTextBoxFlag xmlns:ma14="http://schemas.microsoft.com/office/mac/drawingml/2011/main" xmlns:a14="http://schemas.microsoft.com/office/drawing/2010/main" xmlns:m="http://schemas.openxmlformats.org/officeDocument/2006/math" xmlns="" val="1"/>
             </a:ext>
           </a:extLst>
         </p:spPr>
@@ -7410,7 +7486,7 @@
           </a:ln>
           <a:extLst>
             <a:ext uri="{C572A759-6A51-4108-AA02-DFA0A04FC94B}">
-              <ma14:wrappingTextBoxFlag xmlns="" xmlns:m="http://schemas.openxmlformats.org/officeDocument/2006/math" xmlns:a14="http://schemas.microsoft.com/office/drawing/2010/main" xmlns:ma14="http://schemas.microsoft.com/office/mac/drawingml/2011/main" val="1"/>
+              <ma14:wrappingTextBoxFlag xmlns:ma14="http://schemas.microsoft.com/office/mac/drawingml/2011/main" xmlns:a14="http://schemas.microsoft.com/office/drawing/2010/main" xmlns:m="http://schemas.openxmlformats.org/officeDocument/2006/math" xmlns="" val="1"/>
             </a:ext>
           </a:extLst>
         </p:spPr>
@@ -8341,11 +8417,18 @@
               </a:buBlip>
             </a:pPr>
             <a:r>
+              <a:rPr lang="zh-TW" altLang="en-US" sz="4000" dirty="0">
+                <a:latin typeface="Arial" panose="020B0604020202020204" pitchFamily="34" charset="0"/>
+                <a:cs typeface="Arial" panose="020B0604020202020204" pitchFamily="34" charset="0"/>
+              </a:rPr>
+              <a:t>概述整個</a:t>
+            </a:r>
+            <a:r>
               <a:rPr lang="zh-TW" altLang="en-US" sz="4000" dirty="0" smtClean="0">
                 <a:latin typeface="Arial" panose="020B0604020202020204" pitchFamily="34" charset="0"/>
                 <a:cs typeface="Arial" panose="020B0604020202020204" pitchFamily="34" charset="0"/>
               </a:rPr>
-              <a:t>逐步解釋實驗程序</a:t>
+              <a:t>實驗</a:t>
             </a:r>
             <a:endParaRPr lang="en-US" altLang="zh-TW" sz="4000" dirty="0" smtClean="0">
               <a:latin typeface="Arial" panose="020B0604020202020204" pitchFamily="34" charset="0"/>
@@ -8364,7 +8447,14 @@
                 <a:latin typeface="Arial" panose="020B0604020202020204" pitchFamily="34" charset="0"/>
                 <a:cs typeface="Arial" panose="020B0604020202020204" pitchFamily="34" charset="0"/>
               </a:rPr>
-              <a:t>概述整個實驗</a:t>
+              <a:t>逐步</a:t>
+            </a:r>
+            <a:r>
+              <a:rPr lang="zh-TW" altLang="en-US" sz="4000" dirty="0" smtClean="0">
+                <a:latin typeface="Arial" panose="020B0604020202020204" pitchFamily="34" charset="0"/>
+                <a:cs typeface="Arial" panose="020B0604020202020204" pitchFamily="34" charset="0"/>
+              </a:rPr>
+              <a:t>解釋實驗程序</a:t>
             </a:r>
             <a:endParaRPr lang="en-US" altLang="zh-TW" sz="4000" dirty="0" smtClean="0">
               <a:latin typeface="Arial" panose="020B0604020202020204" pitchFamily="34" charset="0"/>
@@ -8383,7 +8473,14 @@
                 <a:latin typeface="Arial" panose="020B0604020202020204" pitchFamily="34" charset="0"/>
                 <a:cs typeface="Arial" panose="020B0604020202020204" pitchFamily="34" charset="0"/>
               </a:rPr>
-              <a:t>概述調查</a:t>
+              <a:t>概述</a:t>
+            </a:r>
+            <a:r>
+              <a:rPr lang="zh-TW" altLang="en-US" sz="4000" dirty="0" smtClean="0">
+                <a:latin typeface="Arial" panose="020B0604020202020204" pitchFamily="34" charset="0"/>
+                <a:cs typeface="Arial" panose="020B0604020202020204" pitchFamily="34" charset="0"/>
+              </a:rPr>
+              <a:t>調查</a:t>
             </a:r>
             <a:r>
               <a:rPr lang="zh-TW" altLang="en-US" sz="4000" dirty="0">
@@ -9481,7 +9578,6 @@
               <a:rPr lang="en-US" altLang="zh-TW" sz="3200" dirty="0" smtClean="0"/>
               <a:t>(p.336)</a:t>
             </a:r>
-            <a:endParaRPr lang="en-US" altLang="zh-TW" sz="3200" dirty="0" smtClean="0"/>
           </a:p>
           <a:p>
             <a:endParaRPr lang="en-US" altLang="zh-TW" sz="4000" dirty="0"/>
@@ -9781,7 +9877,7 @@
           </a:ln>
           <a:extLst>
             <a:ext uri="{C572A759-6A51-4108-AA02-DFA0A04FC94B}">
-              <ma14:wrappingTextBoxFlag xmlns="" xmlns:m="http://schemas.openxmlformats.org/officeDocument/2006/math" xmlns:a14="http://schemas.microsoft.com/office/drawing/2010/main" xmlns:ma14="http://schemas.microsoft.com/office/mac/drawingml/2011/main" val="1"/>
+              <ma14:wrappingTextBoxFlag xmlns:ma14="http://schemas.microsoft.com/office/mac/drawingml/2011/main" xmlns:a14="http://schemas.microsoft.com/office/drawing/2010/main" xmlns:m="http://schemas.openxmlformats.org/officeDocument/2006/math" xmlns="" val="1"/>
             </a:ext>
           </a:extLst>
         </p:spPr>
@@ -10130,7 +10226,7 @@
           </a:ln>
           <a:extLst>
             <a:ext uri="{C572A759-6A51-4108-AA02-DFA0A04FC94B}">
-              <ma14:wrappingTextBoxFlag xmlns="" xmlns:m="http://schemas.openxmlformats.org/officeDocument/2006/math" xmlns:a14="http://schemas.microsoft.com/office/drawing/2010/main" xmlns:ma14="http://schemas.microsoft.com/office/mac/drawingml/2011/main" val="1"/>
+              <ma14:wrappingTextBoxFlag xmlns:ma14="http://schemas.microsoft.com/office/mac/drawingml/2011/main" xmlns:a14="http://schemas.microsoft.com/office/drawing/2010/main" xmlns:m="http://schemas.openxmlformats.org/officeDocument/2006/math" xmlns="" val="1"/>
             </a:ext>
           </a:extLst>
         </p:spPr>
@@ -10533,7 +10629,11 @@
             </a:r>
             <a:r>
               <a:rPr lang="en-US" altLang="zh-TW" sz="3200" dirty="0" smtClean="0"/>
-              <a:t>(p.337)</a:t>
+              <a:t>(</a:t>
+            </a:r>
+            <a:r>
+              <a:rPr lang="en-US" altLang="zh-TW" sz="3200" dirty="0" smtClean="0"/>
+              <a:t>p.338)</a:t>
             </a:r>
             <a:endParaRPr lang="en-US" altLang="zh-TW" sz="3200" b="1" dirty="0" smtClean="0"/>
           </a:p>
